--- a/NgRx/NGRX Part 2.pptx
+++ b/NgRx/NGRX Part 2.pptx
@@ -8,6 +8,7 @@
     <p:sldId id="256" r:id="rId2"/>
     <p:sldId id="257" r:id="rId3"/>
     <p:sldId id="258" r:id="rId4"/>
+    <p:sldId id="259" r:id="rId5"/>
   </p:sldIdLst>
   <p:sldSz cx="12192000" cy="6858000"/>
   <p:notesSz cx="6858000" cy="9144000"/>
@@ -6591,6 +6592,111 @@
 </p:sld>
 </file>
 
+<file path=ppt/slides/slide4.xml><?xml version="1.0" encoding="utf-8"?>
+<p:sld xmlns:a="http://schemas.openxmlformats.org/drawingml/2006/main" xmlns:r="http://schemas.openxmlformats.org/officeDocument/2006/relationships" xmlns:p="http://schemas.openxmlformats.org/presentationml/2006/main">
+  <p:cSld>
+    <p:spTree>
+      <p:nvGrpSpPr>
+        <p:cNvPr id="1" name=""/>
+        <p:cNvGrpSpPr/>
+        <p:nvPr/>
+      </p:nvGrpSpPr>
+      <p:grpSpPr>
+        <a:xfrm>
+          <a:off x="0" y="0"/>
+          <a:ext cx="0" cy="0"/>
+          <a:chOff x="0" y="0"/>
+          <a:chExt cx="0" cy="0"/>
+        </a:xfrm>
+      </p:grpSpPr>
+      <p:sp>
+        <p:nvSpPr>
+          <p:cNvPr id="2" name="Title 1"/>
+          <p:cNvSpPr>
+            <a:spLocks noGrp="1"/>
+          </p:cNvSpPr>
+          <p:nvPr>
+            <p:ph type="title"/>
+          </p:nvPr>
+        </p:nvSpPr>
+        <p:spPr>
+          <a:xfrm>
+            <a:off x="1484311" y="427008"/>
+            <a:ext cx="10018713" cy="1752599"/>
+          </a:xfrm>
+        </p:spPr>
+        <p:txBody>
+          <a:bodyPr>
+            <a:noAutofit/>
+          </a:bodyPr>
+          <a:lstStyle/>
+          <a:p>
+            <a:r>
+              <a:rPr lang="nl-NL" sz="5500" dirty="0">
+                <a:latin typeface="Times New Roman" panose="02020603050405020304" pitchFamily="18" charset="0"/>
+                <a:cs typeface="Times New Roman" panose="02020603050405020304" pitchFamily="18" charset="0"/>
+              </a:rPr>
+              <a:t>NGRX Diagram</a:t>
+            </a:r>
+            <a:br>
+              <a:rPr lang="nl-NL" sz="5500" dirty="0">
+                <a:latin typeface="Times New Roman" panose="02020603050405020304" pitchFamily="18" charset="0"/>
+                <a:cs typeface="Times New Roman" panose="02020603050405020304" pitchFamily="18" charset="0"/>
+              </a:rPr>
+            </a:br>
+            <a:endParaRPr lang="en-US" sz="5500" dirty="0"/>
+          </a:p>
+        </p:txBody>
+      </p:sp>
+      <p:pic>
+        <p:nvPicPr>
+          <p:cNvPr id="4" name="Content Placeholder 3"/>
+          <p:cNvPicPr>
+            <a:picLocks noGrp="1" noChangeAspect="1"/>
+          </p:cNvPicPr>
+          <p:nvPr>
+            <p:ph idx="1"/>
+          </p:nvPr>
+        </p:nvPicPr>
+        <p:blipFill>
+          <a:blip r:embed="rId2">
+            <a:extLst>
+              <a:ext uri="{28A0092B-C50C-407E-A947-70E740481C1C}">
+                <a14:useLocalDpi xmlns:a14="http://schemas.microsoft.com/office/drawing/2010/main" val="0"/>
+              </a:ext>
+            </a:extLst>
+          </a:blip>
+          <a:stretch>
+            <a:fillRect/>
+          </a:stretch>
+        </p:blipFill>
+        <p:spPr>
+          <a:xfrm>
+            <a:off x="1802921" y="2018581"/>
+            <a:ext cx="8997351" cy="4540610"/>
+          </a:xfrm>
+        </p:spPr>
+      </p:pic>
+    </p:spTree>
+    <p:extLst>
+      <p:ext uri="{BB962C8B-B14F-4D97-AF65-F5344CB8AC3E}">
+        <p14:creationId xmlns:p14="http://schemas.microsoft.com/office/powerpoint/2010/main" val="3674694229"/>
+      </p:ext>
+    </p:extLst>
+  </p:cSld>
+  <p:clrMapOvr>
+    <a:masterClrMapping/>
+  </p:clrMapOvr>
+  <p:timing>
+    <p:tnLst>
+      <p:par>
+        <p:cTn id="1" dur="indefinite" restart="never" nodeType="tmRoot"/>
+      </p:par>
+    </p:tnLst>
+  </p:timing>
+</p:sld>
+</file>
+
 <file path=ppt/theme/theme1.xml><?xml version="1.0" encoding="utf-8"?>
 <a:theme xmlns:a="http://schemas.openxmlformats.org/drawingml/2006/main" name="Parallax">
   <a:themeElements>

--- a/NgRx/NGRX Part 2.pptx
+++ b/NgRx/NGRX Part 2.pptx
@@ -9,6 +9,7 @@
     <p:sldId id="257" r:id="rId3"/>
     <p:sldId id="258" r:id="rId4"/>
     <p:sldId id="259" r:id="rId5"/>
+    <p:sldId id="260" r:id="rId6"/>
   </p:sldIdLst>
   <p:sldSz cx="12192000" cy="6858000"/>
   <p:notesSz cx="6858000" cy="9144000"/>
@@ -6317,27 +6318,25 @@
           </a:p>
           <a:p>
             <a:r>
+              <a:rPr lang="nl-NL" dirty="0" smtClean="0">
+                <a:latin typeface="Times New Roman" panose="02020603050405020304" pitchFamily="18" charset="0"/>
+                <a:cs typeface="Times New Roman" panose="02020603050405020304" pitchFamily="18" charset="0"/>
+              </a:rPr>
+              <a:t>Object, Array </a:t>
+            </a:r>
+            <a:r>
               <a:rPr lang="nl-NL" dirty="0">
                 <a:latin typeface="Times New Roman" panose="02020603050405020304" pitchFamily="18" charset="0"/>
                 <a:cs typeface="Times New Roman" panose="02020603050405020304" pitchFamily="18" charset="0"/>
               </a:rPr>
-              <a:t>Array &amp; Hash </a:t>
+              <a:t>&amp; </a:t>
             </a:r>
             <a:r>
               <a:rPr lang="nl-NL" dirty="0" smtClean="0">
                 <a:latin typeface="Times New Roman" panose="02020603050405020304" pitchFamily="18" charset="0"/>
                 <a:cs typeface="Times New Roman" panose="02020603050405020304" pitchFamily="18" charset="0"/>
               </a:rPr>
-              <a:t>map</a:t>
-            </a:r>
-          </a:p>
-          <a:p>
-            <a:r>
-              <a:rPr lang="nl-NL" dirty="0" smtClean="0">
-                <a:latin typeface="Times New Roman" panose="02020603050405020304" pitchFamily="18" charset="0"/>
-                <a:cs typeface="Times New Roman" panose="02020603050405020304" pitchFamily="18" charset="0"/>
-              </a:rPr>
-              <a:t>Writing good Actions in NGRX</a:t>
+              <a:t>HashMap</a:t>
             </a:r>
           </a:p>
           <a:p>
@@ -6694,6 +6693,116 @@
       </p:par>
     </p:tnLst>
   </p:timing>
+</p:sld>
+</file>
+
+<file path=ppt/slides/slide5.xml><?xml version="1.0" encoding="utf-8"?>
+<p:sld xmlns:a="http://schemas.openxmlformats.org/drawingml/2006/main" xmlns:r="http://schemas.openxmlformats.org/officeDocument/2006/relationships" xmlns:p="http://schemas.openxmlformats.org/presentationml/2006/main">
+  <p:cSld>
+    <p:spTree>
+      <p:nvGrpSpPr>
+        <p:cNvPr id="1" name=""/>
+        <p:cNvGrpSpPr/>
+        <p:nvPr/>
+      </p:nvGrpSpPr>
+      <p:grpSpPr>
+        <a:xfrm>
+          <a:off x="0" y="0"/>
+          <a:ext cx="0" cy="0"/>
+          <a:chOff x="0" y="0"/>
+          <a:chExt cx="0" cy="0"/>
+        </a:xfrm>
+      </p:grpSpPr>
+      <p:sp>
+        <p:nvSpPr>
+          <p:cNvPr id="2" name="Title 1"/>
+          <p:cNvSpPr>
+            <a:spLocks noGrp="1"/>
+          </p:cNvSpPr>
+          <p:nvPr>
+            <p:ph type="title"/>
+          </p:nvPr>
+        </p:nvSpPr>
+        <p:spPr/>
+        <p:txBody>
+          <a:bodyPr>
+            <a:noAutofit/>
+          </a:bodyPr>
+          <a:lstStyle/>
+          <a:p>
+            <a:r>
+              <a:rPr lang="nl-NL" sz="5500" dirty="0">
+                <a:latin typeface="Times New Roman" panose="02020603050405020304" pitchFamily="18" charset="0"/>
+                <a:cs typeface="Times New Roman" panose="02020603050405020304" pitchFamily="18" charset="0"/>
+              </a:rPr>
+              <a:t>Object, Array &amp; HashMap</a:t>
+            </a:r>
+            <a:br>
+              <a:rPr lang="nl-NL" sz="5500" dirty="0">
+                <a:latin typeface="Times New Roman" panose="02020603050405020304" pitchFamily="18" charset="0"/>
+                <a:cs typeface="Times New Roman" panose="02020603050405020304" pitchFamily="18" charset="0"/>
+              </a:rPr>
+            </a:br>
+            <a:endParaRPr lang="en-US" sz="5500" dirty="0"/>
+          </a:p>
+        </p:txBody>
+      </p:sp>
+      <p:sp>
+        <p:nvSpPr>
+          <p:cNvPr id="3" name="Content Placeholder 2"/>
+          <p:cNvSpPr>
+            <a:spLocks noGrp="1"/>
+          </p:cNvSpPr>
+          <p:nvPr>
+            <p:ph idx="1"/>
+          </p:nvPr>
+        </p:nvSpPr>
+        <p:spPr/>
+        <p:txBody>
+          <a:bodyPr/>
+          <a:lstStyle/>
+          <a:p>
+            <a:pPr marL="0" indent="0">
+              <a:buNone/>
+            </a:pPr>
+            <a:r>
+              <a:rPr lang="en-US" smtClean="0">
+                <a:hlinkClick r:id="rId2"/>
+              </a:rPr>
+              <a:t>https</a:t>
+            </a:r>
+            <a:r>
+              <a:rPr lang="en-US" dirty="0">
+                <a:hlinkClick r:id="rId2"/>
+              </a:rPr>
+              <a:t>://</a:t>
+            </a:r>
+            <a:r>
+              <a:rPr lang="en-US" dirty="0" smtClean="0">
+                <a:hlinkClick r:id="rId2"/>
+              </a:rPr>
+              <a:t>medium.com/front-end-weekly/es6-map-vs-object-what-and-when-b80621932373</a:t>
+            </a:r>
+            <a:endParaRPr lang="en-US" dirty="0" smtClean="0"/>
+          </a:p>
+          <a:p>
+            <a:pPr marL="0" indent="0">
+              <a:buNone/>
+            </a:pPr>
+            <a:endParaRPr lang="en-US" dirty="0"/>
+          </a:p>
+        </p:txBody>
+      </p:sp>
+    </p:spTree>
+    <p:extLst>
+      <p:ext uri="{BB962C8B-B14F-4D97-AF65-F5344CB8AC3E}">
+        <p14:creationId xmlns:p14="http://schemas.microsoft.com/office/powerpoint/2010/main" val="1342762734"/>
+      </p:ext>
+    </p:extLst>
+  </p:cSld>
+  <p:clrMapOvr>
+    <a:masterClrMapping/>
+  </p:clrMapOvr>
 </p:sld>
 </file>
 

--- a/NgRx/NGRX Part 2.pptx
+++ b/NgRx/NGRX Part 2.pptx
@@ -108,6 +108,11 @@
       </a:defRPr>
     </a:lvl9pPr>
   </p:defaultTextStyle>
+  <p:extLst>
+    <p:ext uri="{EFAFB233-063F-42B5-8137-9DF3F51BA10A}">
+      <p15:sldGuideLst xmlns:p15="http://schemas.microsoft.com/office/powerpoint/2012/main"/>
+    </p:ext>
+  </p:extLst>
 </p:presentation>
 </file>
 
@@ -470,7 +475,7 @@
           </a:lstStyle>
           <a:p>
             <a:r>
-              <a:rPr lang="en-US" smtClean="0"/>
+              <a:rPr lang="en-US"/>
               <a:t>Click to edit Master title style</a:t>
             </a:r>
             <a:endParaRPr lang="en-US" dirty="0"/>
@@ -589,7 +594,7 @@
           </a:lstStyle>
           <a:p>
             <a:r>
-              <a:rPr lang="en-US" smtClean="0"/>
+              <a:rPr lang="en-US"/>
               <a:t>Click to edit Master subtitle style</a:t>
             </a:r>
             <a:endParaRPr lang="en-US" dirty="0"/>
@@ -613,7 +618,7 @@
           <a:p>
             <a:fld id="{B5DB2D11-B6C9-434A-BD02-01E188E3A433}" type="datetimeFigureOut">
               <a:rPr lang="en-US" smtClean="0"/>
-              <a:t>7/29/2019</a:t>
+              <a:t>7/31/2019</a:t>
             </a:fld>
             <a:endParaRPr lang="en-US"/>
           </a:p>
@@ -723,7 +728,7 @@
           </a:lstStyle>
           <a:p>
             <a:r>
-              <a:rPr lang="en-US" smtClean="0"/>
+              <a:rPr lang="en-US"/>
               <a:t>Click to edit Master title style</a:t>
             </a:r>
             <a:endParaRPr lang="en-US" dirty="0"/>
@@ -818,7 +823,7 @@
           </a:lstStyle>
           <a:p>
             <a:r>
-              <a:rPr lang="en-US" smtClean="0"/>
+              <a:rPr lang="en-US"/>
               <a:t>Click icon to add picture</a:t>
             </a:r>
             <a:endParaRPr lang="en-US" dirty="0"/>
@@ -886,7 +891,7 @@
           <a:p>
             <a:pPr lvl="0"/>
             <a:r>
-              <a:rPr lang="en-US" smtClean="0"/>
+              <a:rPr lang="en-US"/>
               <a:t>Click to edit Master text styles</a:t>
             </a:r>
           </a:p>
@@ -909,7 +914,7 @@
           <a:p>
             <a:fld id="{B5DB2D11-B6C9-434A-BD02-01E188E3A433}" type="datetimeFigureOut">
               <a:rPr lang="en-US" smtClean="0"/>
-              <a:t>7/29/2019</a:t>
+              <a:t>7/31/2019</a:t>
             </a:fld>
             <a:endParaRPr lang="en-US"/>
           </a:p>
@@ -1014,7 +1019,7 @@
           </a:lstStyle>
           <a:p>
             <a:r>
-              <a:rPr lang="en-US" smtClean="0"/>
+              <a:rPr lang="en-US"/>
               <a:t>Click to edit Master title style</a:t>
             </a:r>
             <a:endParaRPr lang="en-US" dirty="0"/>
@@ -1134,7 +1139,7 @@
           <a:p>
             <a:pPr lvl="0"/>
             <a:r>
-              <a:rPr lang="en-US" smtClean="0"/>
+              <a:rPr lang="en-US"/>
               <a:t>Click to edit Master text styles</a:t>
             </a:r>
           </a:p>
@@ -1157,7 +1162,7 @@
           <a:p>
             <a:fld id="{B5DB2D11-B6C9-434A-BD02-01E188E3A433}" type="datetimeFigureOut">
               <a:rPr lang="en-US" smtClean="0"/>
-              <a:t>7/29/2019</a:t>
+              <a:t>7/31/2019</a:t>
             </a:fld>
             <a:endParaRPr lang="en-US"/>
           </a:p>
@@ -1498,7 +1503,7 @@
           </a:lstStyle>
           <a:p>
             <a:r>
-              <a:rPr lang="en-US" smtClean="0"/>
+              <a:rPr lang="en-US"/>
               <a:t>Click to edit Master title style</a:t>
             </a:r>
             <a:endParaRPr lang="en-US" dirty="0"/>
@@ -1555,7 +1560,7 @@
           <a:p>
             <a:pPr lvl="0"/>
             <a:r>
-              <a:rPr lang="en-US" smtClean="0"/>
+              <a:rPr lang="en-US"/>
               <a:t>Click to edit Master text styles</a:t>
             </a:r>
           </a:p>
@@ -1674,7 +1679,7 @@
           <a:p>
             <a:pPr lvl="0"/>
             <a:r>
-              <a:rPr lang="en-US" smtClean="0"/>
+              <a:rPr lang="en-US"/>
               <a:t>Click to edit Master text styles</a:t>
             </a:r>
           </a:p>
@@ -1697,7 +1702,7 @@
           <a:p>
             <a:fld id="{B5DB2D11-B6C9-434A-BD02-01E188E3A433}" type="datetimeFigureOut">
               <a:rPr lang="en-US" smtClean="0"/>
-              <a:t>7/29/2019</a:t>
+              <a:t>7/31/2019</a:t>
             </a:fld>
             <a:endParaRPr lang="en-US"/>
           </a:p>
@@ -1802,7 +1807,7 @@
           </a:lstStyle>
           <a:p>
             <a:r>
-              <a:rPr lang="en-US" smtClean="0"/>
+              <a:rPr lang="en-US"/>
               <a:t>Click to edit Master title style</a:t>
             </a:r>
             <a:endParaRPr lang="en-US" dirty="0"/>
@@ -1922,7 +1927,7 @@
           <a:p>
             <a:pPr lvl="0"/>
             <a:r>
-              <a:rPr lang="en-US" smtClean="0"/>
+              <a:rPr lang="en-US"/>
               <a:t>Click to edit Master text styles</a:t>
             </a:r>
           </a:p>
@@ -1945,7 +1950,7 @@
           <a:p>
             <a:fld id="{B5DB2D11-B6C9-434A-BD02-01E188E3A433}" type="datetimeFigureOut">
               <a:rPr lang="en-US" smtClean="0"/>
-              <a:t>7/29/2019</a:t>
+              <a:t>7/31/2019</a:t>
             </a:fld>
             <a:endParaRPr lang="en-US"/>
           </a:p>
@@ -2286,7 +2291,7 @@
           </a:lstStyle>
           <a:p>
             <a:r>
-              <a:rPr lang="en-US" smtClean="0"/>
+              <a:rPr lang="en-US"/>
               <a:t>Click to edit Master title style</a:t>
             </a:r>
             <a:endParaRPr lang="en-US" dirty="0"/>
@@ -2335,7 +2340,7 @@
               <a:buNone/>
             </a:pPr>
             <a:r>
-              <a:rPr lang="en-US" smtClean="0"/>
+              <a:rPr lang="en-US"/>
               <a:t>Click to edit Master text styles</a:t>
             </a:r>
           </a:p>
@@ -2454,7 +2459,7 @@
           <a:p>
             <a:pPr lvl="0"/>
             <a:r>
-              <a:rPr lang="en-US" smtClean="0"/>
+              <a:rPr lang="en-US"/>
               <a:t>Click to edit Master text styles</a:t>
             </a:r>
           </a:p>
@@ -2477,7 +2482,7 @@
           <a:p>
             <a:fld id="{B5DB2D11-B6C9-434A-BD02-01E188E3A433}" type="datetimeFigureOut">
               <a:rPr lang="en-US" smtClean="0"/>
-              <a:t>7/29/2019</a:t>
+              <a:t>7/31/2019</a:t>
             </a:fld>
             <a:endParaRPr lang="en-US"/>
           </a:p>
@@ -2583,7 +2588,7 @@
           <a:p>
             <a:pPr marL="0" lvl="0"/>
             <a:r>
-              <a:rPr lang="en-US" smtClean="0"/>
+              <a:rPr lang="en-US"/>
               <a:t>Click to edit Master title style</a:t>
             </a:r>
             <a:endParaRPr lang="en-US" dirty="0"/>
@@ -2632,7 +2637,7 @@
               <a:buNone/>
             </a:pPr>
             <a:r>
-              <a:rPr lang="en-US" smtClean="0"/>
+              <a:rPr lang="en-US"/>
               <a:t>Click to edit Master text styles</a:t>
             </a:r>
           </a:p>
@@ -2751,7 +2756,7 @@
           <a:p>
             <a:pPr lvl="0"/>
             <a:r>
-              <a:rPr lang="en-US" smtClean="0"/>
+              <a:rPr lang="en-US"/>
               <a:t>Click to edit Master text styles</a:t>
             </a:r>
           </a:p>
@@ -2774,7 +2779,7 @@
           <a:p>
             <a:fld id="{B5DB2D11-B6C9-434A-BD02-01E188E3A433}" type="datetimeFigureOut">
               <a:rPr lang="en-US" smtClean="0"/>
-              <a:t>7/29/2019</a:t>
+              <a:t>7/31/2019</a:t>
             </a:fld>
             <a:endParaRPr lang="en-US"/>
           </a:p>
@@ -2872,7 +2877,7 @@
           </a:lstStyle>
           <a:p>
             <a:r>
-              <a:rPr lang="en-US" smtClean="0"/>
+              <a:rPr lang="en-US"/>
               <a:t>Click to edit Master title style</a:t>
             </a:r>
             <a:endParaRPr lang="en-US" dirty="0"/>
@@ -2896,35 +2901,35 @@
           <a:p>
             <a:pPr lvl="0"/>
             <a:r>
-              <a:rPr lang="en-US" smtClean="0"/>
+              <a:rPr lang="en-US"/>
               <a:t>Click to edit Master text styles</a:t>
             </a:r>
           </a:p>
           <a:p>
             <a:pPr lvl="1"/>
             <a:r>
-              <a:rPr lang="en-US" smtClean="0"/>
+              <a:rPr lang="en-US"/>
               <a:t>Second level</a:t>
             </a:r>
           </a:p>
           <a:p>
             <a:pPr lvl="2"/>
             <a:r>
-              <a:rPr lang="en-US" smtClean="0"/>
+              <a:rPr lang="en-US"/>
               <a:t>Third level</a:t>
             </a:r>
           </a:p>
           <a:p>
             <a:pPr lvl="3"/>
             <a:r>
-              <a:rPr lang="en-US" smtClean="0"/>
+              <a:rPr lang="en-US"/>
               <a:t>Fourth level</a:t>
             </a:r>
           </a:p>
           <a:p>
             <a:pPr lvl="4"/>
             <a:r>
-              <a:rPr lang="en-US" smtClean="0"/>
+              <a:rPr lang="en-US"/>
               <a:t>Fifth level</a:t>
             </a:r>
             <a:endParaRPr lang="en-US" dirty="0"/>
@@ -2948,7 +2953,7 @@
           <a:p>
             <a:fld id="{B5DB2D11-B6C9-434A-BD02-01E188E3A433}" type="datetimeFigureOut">
               <a:rPr lang="en-US" smtClean="0"/>
-              <a:t>7/29/2019</a:t>
+              <a:t>7/31/2019</a:t>
             </a:fld>
             <a:endParaRPr lang="en-US"/>
           </a:p>
@@ -3047,7 +3052,7 @@
           <a:lstStyle/>
           <a:p>
             <a:r>
-              <a:rPr lang="en-US" smtClean="0"/>
+              <a:rPr lang="en-US"/>
               <a:t>Click to edit Master title style</a:t>
             </a:r>
             <a:endParaRPr lang="en-US" dirty="0"/>
@@ -3076,35 +3081,35 @@
           <a:p>
             <a:pPr lvl="0"/>
             <a:r>
-              <a:rPr lang="en-US" smtClean="0"/>
+              <a:rPr lang="en-US"/>
               <a:t>Click to edit Master text styles</a:t>
             </a:r>
           </a:p>
           <a:p>
             <a:pPr lvl="1"/>
             <a:r>
-              <a:rPr lang="en-US" smtClean="0"/>
+              <a:rPr lang="en-US"/>
               <a:t>Second level</a:t>
             </a:r>
           </a:p>
           <a:p>
             <a:pPr lvl="2"/>
             <a:r>
-              <a:rPr lang="en-US" smtClean="0"/>
+              <a:rPr lang="en-US"/>
               <a:t>Third level</a:t>
             </a:r>
           </a:p>
           <a:p>
             <a:pPr lvl="3"/>
             <a:r>
-              <a:rPr lang="en-US" smtClean="0"/>
+              <a:rPr lang="en-US"/>
               <a:t>Fourth level</a:t>
             </a:r>
           </a:p>
           <a:p>
             <a:pPr lvl="4"/>
             <a:r>
-              <a:rPr lang="en-US" smtClean="0"/>
+              <a:rPr lang="en-US"/>
               <a:t>Fifth level</a:t>
             </a:r>
             <a:endParaRPr lang="en-US" dirty="0"/>
@@ -3128,7 +3133,7 @@
           <a:p>
             <a:fld id="{B5DB2D11-B6C9-434A-BD02-01E188E3A433}" type="datetimeFigureOut">
               <a:rPr lang="en-US" smtClean="0"/>
-              <a:t>7/29/2019</a:t>
+              <a:t>7/31/2019</a:t>
             </a:fld>
             <a:endParaRPr lang="en-US"/>
           </a:p>
@@ -3222,7 +3227,7 @@
           <a:lstStyle/>
           <a:p>
             <a:r>
-              <a:rPr lang="en-US" smtClean="0"/>
+              <a:rPr lang="en-US"/>
               <a:t>Click to edit Master title style</a:t>
             </a:r>
             <a:endParaRPr lang="en-US" dirty="0"/>
@@ -3246,35 +3251,35 @@
           <a:p>
             <a:pPr lvl="0"/>
             <a:r>
-              <a:rPr lang="en-US" smtClean="0"/>
+              <a:rPr lang="en-US"/>
               <a:t>Click to edit Master text styles</a:t>
             </a:r>
           </a:p>
           <a:p>
             <a:pPr lvl="1"/>
             <a:r>
-              <a:rPr lang="en-US" smtClean="0"/>
+              <a:rPr lang="en-US"/>
               <a:t>Second level</a:t>
             </a:r>
           </a:p>
           <a:p>
             <a:pPr lvl="2"/>
             <a:r>
-              <a:rPr lang="en-US" smtClean="0"/>
+              <a:rPr lang="en-US"/>
               <a:t>Third level</a:t>
             </a:r>
           </a:p>
           <a:p>
             <a:pPr lvl="3"/>
             <a:r>
-              <a:rPr lang="en-US" smtClean="0"/>
+              <a:rPr lang="en-US"/>
               <a:t>Fourth level</a:t>
             </a:r>
           </a:p>
           <a:p>
             <a:pPr lvl="4"/>
             <a:r>
-              <a:rPr lang="en-US" smtClean="0"/>
+              <a:rPr lang="en-US"/>
               <a:t>Fifth level</a:t>
             </a:r>
             <a:endParaRPr lang="en-US" dirty="0"/>
@@ -3298,7 +3303,7 @@
           <a:p>
             <a:fld id="{B5DB2D11-B6C9-434A-BD02-01E188E3A433}" type="datetimeFigureOut">
               <a:rPr lang="en-US" smtClean="0"/>
-              <a:t>7/29/2019</a:t>
+              <a:t>7/31/2019</a:t>
             </a:fld>
             <a:endParaRPr lang="en-US"/>
           </a:p>
@@ -3406,7 +3411,7 @@
           </a:lstStyle>
           <a:p>
             <a:r>
-              <a:rPr lang="en-US" smtClean="0"/>
+              <a:rPr lang="en-US"/>
               <a:t>Click to edit Master title style</a:t>
             </a:r>
             <a:endParaRPr lang="en-US" dirty="0"/>
@@ -3526,7 +3531,7 @@
           <a:p>
             <a:pPr lvl="0"/>
             <a:r>
-              <a:rPr lang="en-US" smtClean="0"/>
+              <a:rPr lang="en-US"/>
               <a:t>Click to edit Master text styles</a:t>
             </a:r>
           </a:p>
@@ -3549,7 +3554,7 @@
           <a:p>
             <a:fld id="{B5DB2D11-B6C9-434A-BD02-01E188E3A433}" type="datetimeFigureOut">
               <a:rPr lang="en-US" smtClean="0"/>
-              <a:t>7/29/2019</a:t>
+              <a:t>7/31/2019</a:t>
             </a:fld>
             <a:endParaRPr lang="en-US"/>
           </a:p>
@@ -3648,7 +3653,7 @@
           <a:lstStyle/>
           <a:p>
             <a:r>
-              <a:rPr lang="en-US" smtClean="0"/>
+              <a:rPr lang="en-US"/>
               <a:t>Click to edit Master title style</a:t>
             </a:r>
             <a:endParaRPr lang="en-US" dirty="0"/>
@@ -3707,35 +3712,35 @@
           <a:p>
             <a:pPr lvl="0"/>
             <a:r>
-              <a:rPr lang="en-US" smtClean="0"/>
+              <a:rPr lang="en-US"/>
               <a:t>Click to edit Master text styles</a:t>
             </a:r>
           </a:p>
           <a:p>
             <a:pPr lvl="1"/>
             <a:r>
-              <a:rPr lang="en-US" smtClean="0"/>
+              <a:rPr lang="en-US"/>
               <a:t>Second level</a:t>
             </a:r>
           </a:p>
           <a:p>
             <a:pPr lvl="2"/>
             <a:r>
-              <a:rPr lang="en-US" smtClean="0"/>
+              <a:rPr lang="en-US"/>
               <a:t>Third level</a:t>
             </a:r>
           </a:p>
           <a:p>
             <a:pPr lvl="3"/>
             <a:r>
-              <a:rPr lang="en-US" smtClean="0"/>
+              <a:rPr lang="en-US"/>
               <a:t>Fourth level</a:t>
             </a:r>
           </a:p>
           <a:p>
             <a:pPr lvl="4"/>
             <a:r>
-              <a:rPr lang="en-US" smtClean="0"/>
+              <a:rPr lang="en-US"/>
               <a:t>Fifth level</a:t>
             </a:r>
             <a:endParaRPr lang="en-US" dirty="0"/>
@@ -3794,35 +3799,35 @@
           <a:p>
             <a:pPr lvl="0"/>
             <a:r>
-              <a:rPr lang="en-US" smtClean="0"/>
+              <a:rPr lang="en-US"/>
               <a:t>Click to edit Master text styles</a:t>
             </a:r>
           </a:p>
           <a:p>
             <a:pPr lvl="1"/>
             <a:r>
-              <a:rPr lang="en-US" smtClean="0"/>
+              <a:rPr lang="en-US"/>
               <a:t>Second level</a:t>
             </a:r>
           </a:p>
           <a:p>
             <a:pPr lvl="2"/>
             <a:r>
-              <a:rPr lang="en-US" smtClean="0"/>
+              <a:rPr lang="en-US"/>
               <a:t>Third level</a:t>
             </a:r>
           </a:p>
           <a:p>
             <a:pPr lvl="3"/>
             <a:r>
-              <a:rPr lang="en-US" smtClean="0"/>
+              <a:rPr lang="en-US"/>
               <a:t>Fourth level</a:t>
             </a:r>
           </a:p>
           <a:p>
             <a:pPr lvl="4"/>
             <a:r>
-              <a:rPr lang="en-US" smtClean="0"/>
+              <a:rPr lang="en-US"/>
               <a:t>Fifth level</a:t>
             </a:r>
             <a:endParaRPr lang="en-US" dirty="0"/>
@@ -3846,7 +3851,7 @@
           <a:p>
             <a:fld id="{B5DB2D11-B6C9-434A-BD02-01E188E3A433}" type="datetimeFigureOut">
               <a:rPr lang="en-US" smtClean="0"/>
-              <a:t>7/29/2019</a:t>
+              <a:t>7/31/2019</a:t>
             </a:fld>
             <a:endParaRPr lang="en-US"/>
           </a:p>
@@ -3944,7 +3949,7 @@
           </a:lstStyle>
           <a:p>
             <a:r>
-              <a:rPr lang="en-US" smtClean="0"/>
+              <a:rPr lang="en-US"/>
               <a:t>Click to edit Master title style</a:t>
             </a:r>
             <a:endParaRPr lang="en-US" dirty="0"/>
@@ -4018,7 +4023,7 @@
           <a:p>
             <a:pPr lvl="0"/>
             <a:r>
-              <a:rPr lang="en-US" smtClean="0"/>
+              <a:rPr lang="en-US"/>
               <a:t>Click to edit Master text styles</a:t>
             </a:r>
           </a:p>
@@ -4076,35 +4081,35 @@
           <a:p>
             <a:pPr lvl="0"/>
             <a:r>
-              <a:rPr lang="en-US" smtClean="0"/>
+              <a:rPr lang="en-US"/>
               <a:t>Click to edit Master text styles</a:t>
             </a:r>
           </a:p>
           <a:p>
             <a:pPr lvl="1"/>
             <a:r>
-              <a:rPr lang="en-US" smtClean="0"/>
+              <a:rPr lang="en-US"/>
               <a:t>Second level</a:t>
             </a:r>
           </a:p>
           <a:p>
             <a:pPr lvl="2"/>
             <a:r>
-              <a:rPr lang="en-US" smtClean="0"/>
+              <a:rPr lang="en-US"/>
               <a:t>Third level</a:t>
             </a:r>
           </a:p>
           <a:p>
             <a:pPr lvl="3"/>
             <a:r>
-              <a:rPr lang="en-US" smtClean="0"/>
+              <a:rPr lang="en-US"/>
               <a:t>Fourth level</a:t>
             </a:r>
           </a:p>
           <a:p>
             <a:pPr lvl="4"/>
             <a:r>
-              <a:rPr lang="en-US" smtClean="0"/>
+              <a:rPr lang="en-US"/>
               <a:t>Fifth level</a:t>
             </a:r>
             <a:endParaRPr lang="en-US" dirty="0"/>
@@ -4178,7 +4183,7 @@
           <a:p>
             <a:pPr lvl="0"/>
             <a:r>
-              <a:rPr lang="en-US" smtClean="0"/>
+              <a:rPr lang="en-US"/>
               <a:t>Click to edit Master text styles</a:t>
             </a:r>
           </a:p>
@@ -4236,35 +4241,35 @@
           <a:p>
             <a:pPr lvl="0"/>
             <a:r>
-              <a:rPr lang="en-US" smtClean="0"/>
+              <a:rPr lang="en-US"/>
               <a:t>Click to edit Master text styles</a:t>
             </a:r>
           </a:p>
           <a:p>
             <a:pPr lvl="1"/>
             <a:r>
-              <a:rPr lang="en-US" smtClean="0"/>
+              <a:rPr lang="en-US"/>
               <a:t>Second level</a:t>
             </a:r>
           </a:p>
           <a:p>
             <a:pPr lvl="2"/>
             <a:r>
-              <a:rPr lang="en-US" smtClean="0"/>
+              <a:rPr lang="en-US"/>
               <a:t>Third level</a:t>
             </a:r>
           </a:p>
           <a:p>
             <a:pPr lvl="3"/>
             <a:r>
-              <a:rPr lang="en-US" smtClean="0"/>
+              <a:rPr lang="en-US"/>
               <a:t>Fourth level</a:t>
             </a:r>
           </a:p>
           <a:p>
             <a:pPr lvl="4"/>
             <a:r>
-              <a:rPr lang="en-US" smtClean="0"/>
+              <a:rPr lang="en-US"/>
               <a:t>Fifth level</a:t>
             </a:r>
             <a:endParaRPr lang="en-US" dirty="0"/>
@@ -4288,7 +4293,7 @@
           <a:p>
             <a:fld id="{B5DB2D11-B6C9-434A-BD02-01E188E3A433}" type="datetimeFigureOut">
               <a:rPr lang="en-US" smtClean="0"/>
-              <a:t>7/29/2019</a:t>
+              <a:t>7/31/2019</a:t>
             </a:fld>
             <a:endParaRPr lang="en-US"/>
           </a:p>
@@ -4382,7 +4387,7 @@
           <a:lstStyle/>
           <a:p>
             <a:r>
-              <a:rPr lang="en-US" smtClean="0"/>
+              <a:rPr lang="en-US"/>
               <a:t>Click to edit Master title style</a:t>
             </a:r>
             <a:endParaRPr lang="en-US" dirty="0"/>
@@ -4406,7 +4411,7 @@
           <a:p>
             <a:fld id="{B5DB2D11-B6C9-434A-BD02-01E188E3A433}" type="datetimeFigureOut">
               <a:rPr lang="en-US" smtClean="0"/>
-              <a:t>7/29/2019</a:t>
+              <a:t>7/31/2019</a:t>
             </a:fld>
             <a:endParaRPr lang="en-US"/>
           </a:p>
@@ -4501,7 +4506,7 @@
           <a:p>
             <a:fld id="{B5DB2D11-B6C9-434A-BD02-01E188E3A433}" type="datetimeFigureOut">
               <a:rPr lang="en-US" smtClean="0"/>
-              <a:t>7/29/2019</a:t>
+              <a:t>7/31/2019</a:t>
             </a:fld>
             <a:endParaRPr lang="en-US"/>
           </a:p>
@@ -4606,7 +4611,7 @@
           </a:lstStyle>
           <a:p>
             <a:r>
-              <a:rPr lang="en-US" smtClean="0"/>
+              <a:rPr lang="en-US"/>
               <a:t>Click to edit Master title style</a:t>
             </a:r>
             <a:endParaRPr lang="en-US" dirty="0"/>
@@ -4665,35 +4670,35 @@
           <a:p>
             <a:pPr lvl="0"/>
             <a:r>
-              <a:rPr lang="en-US" smtClean="0"/>
+              <a:rPr lang="en-US"/>
               <a:t>Click to edit Master text styles</a:t>
             </a:r>
           </a:p>
           <a:p>
             <a:pPr lvl="1"/>
             <a:r>
-              <a:rPr lang="en-US" smtClean="0"/>
+              <a:rPr lang="en-US"/>
               <a:t>Second level</a:t>
             </a:r>
           </a:p>
           <a:p>
             <a:pPr lvl="2"/>
             <a:r>
-              <a:rPr lang="en-US" smtClean="0"/>
+              <a:rPr lang="en-US"/>
               <a:t>Third level</a:t>
             </a:r>
           </a:p>
           <a:p>
             <a:pPr lvl="3"/>
             <a:r>
-              <a:rPr lang="en-US" smtClean="0"/>
+              <a:rPr lang="en-US"/>
               <a:t>Fourth level</a:t>
             </a:r>
           </a:p>
           <a:p>
             <a:pPr lvl="4"/>
             <a:r>
-              <a:rPr lang="en-US" smtClean="0"/>
+              <a:rPr lang="en-US"/>
               <a:t>Fifth level</a:t>
             </a:r>
             <a:endParaRPr lang="en-US" dirty="0"/>
@@ -4761,7 +4766,7 @@
           <a:p>
             <a:pPr lvl="0"/>
             <a:r>
-              <a:rPr lang="en-US" smtClean="0"/>
+              <a:rPr lang="en-US"/>
               <a:t>Click to edit Master text styles</a:t>
             </a:r>
           </a:p>
@@ -4784,7 +4789,7 @@
           <a:p>
             <a:fld id="{B5DB2D11-B6C9-434A-BD02-01E188E3A433}" type="datetimeFigureOut">
               <a:rPr lang="en-US" smtClean="0"/>
-              <a:t>7/29/2019</a:t>
+              <a:t>7/31/2019</a:t>
             </a:fld>
             <a:endParaRPr lang="en-US"/>
           </a:p>
@@ -4889,7 +4894,7 @@
           </a:lstStyle>
           <a:p>
             <a:r>
-              <a:rPr lang="en-US" smtClean="0"/>
+              <a:rPr lang="en-US"/>
               <a:t>Click to edit Master title style</a:t>
             </a:r>
             <a:endParaRPr lang="en-US" dirty="0"/>
@@ -4984,7 +4989,7 @@
           </a:lstStyle>
           <a:p>
             <a:r>
-              <a:rPr lang="en-US" smtClean="0"/>
+              <a:rPr lang="en-US"/>
               <a:t>Click icon to add picture</a:t>
             </a:r>
             <a:endParaRPr lang="en-US" dirty="0"/>
@@ -5052,7 +5057,7 @@
           <a:p>
             <a:pPr lvl="0"/>
             <a:r>
-              <a:rPr lang="en-US" smtClean="0"/>
+              <a:rPr lang="en-US"/>
               <a:t>Click to edit Master text styles</a:t>
             </a:r>
           </a:p>
@@ -5075,7 +5080,7 @@
           <a:p>
             <a:fld id="{B5DB2D11-B6C9-434A-BD02-01E188E3A433}" type="datetimeFigureOut">
               <a:rPr lang="en-US" smtClean="0"/>
-              <a:t>7/29/2019</a:t>
+              <a:t>7/31/2019</a:t>
             </a:fld>
             <a:endParaRPr lang="en-US"/>
           </a:p>
@@ -5501,7 +5506,7 @@
           <a:lstStyle/>
           <a:p>
             <a:r>
-              <a:rPr lang="en-US" smtClean="0"/>
+              <a:rPr lang="en-US"/>
               <a:t>Click to edit Master title style</a:t>
             </a:r>
             <a:endParaRPr lang="en-US" dirty="0"/>
@@ -5535,35 +5540,35 @@
           <a:p>
             <a:pPr lvl="0"/>
             <a:r>
-              <a:rPr lang="en-US" smtClean="0"/>
+              <a:rPr lang="en-US"/>
               <a:t>Click to edit Master text styles</a:t>
             </a:r>
           </a:p>
           <a:p>
             <a:pPr lvl="1"/>
             <a:r>
-              <a:rPr lang="en-US" smtClean="0"/>
+              <a:rPr lang="en-US"/>
               <a:t>Second level</a:t>
             </a:r>
           </a:p>
           <a:p>
             <a:pPr lvl="2"/>
             <a:r>
-              <a:rPr lang="en-US" smtClean="0"/>
+              <a:rPr lang="en-US"/>
               <a:t>Third level</a:t>
             </a:r>
           </a:p>
           <a:p>
             <a:pPr lvl="3"/>
             <a:r>
-              <a:rPr lang="en-US" smtClean="0"/>
+              <a:rPr lang="en-US"/>
               <a:t>Fourth level</a:t>
             </a:r>
           </a:p>
           <a:p>
             <a:pPr lvl="4"/>
             <a:r>
-              <a:rPr lang="en-US" smtClean="0"/>
+              <a:rPr lang="en-US"/>
               <a:t>Fifth level</a:t>
             </a:r>
             <a:endParaRPr lang="en-US" dirty="0"/>
@@ -5605,7 +5610,7 @@
           <a:p>
             <a:fld id="{B5DB2D11-B6C9-434A-BD02-01E188E3A433}" type="datetimeFigureOut">
               <a:rPr lang="en-US" smtClean="0"/>
-              <a:t>7/29/2019</a:t>
+              <a:t>7/31/2019</a:t>
             </a:fld>
             <a:endParaRPr lang="en-US"/>
           </a:p>
@@ -6159,20 +6164,20 @@
           <a:lstStyle/>
           <a:p>
             <a:r>
-              <a:rPr lang="nl-NL" dirty="0" smtClean="0">
+              <a:rPr lang="nl-NL" dirty="0">
                 <a:latin typeface="Times New Roman" panose="02020603050405020304" pitchFamily="18" charset="0"/>
                 <a:cs typeface="Times New Roman" panose="02020603050405020304" pitchFamily="18" charset="0"/>
               </a:rPr>
               <a:t>BUILDING ROBUST STATE MANAGEMENT APP </a:t>
             </a:r>
             <a:br>
-              <a:rPr lang="nl-NL" dirty="0" smtClean="0">
+              <a:rPr lang="nl-NL" dirty="0">
                 <a:latin typeface="Times New Roman" panose="02020603050405020304" pitchFamily="18" charset="0"/>
                 <a:cs typeface="Times New Roman" panose="02020603050405020304" pitchFamily="18" charset="0"/>
               </a:rPr>
             </a:br>
             <a:r>
-              <a:rPr lang="nl-NL" dirty="0" smtClean="0">
+              <a:rPr lang="nl-NL" dirty="0">
                 <a:latin typeface="Times New Roman" panose="02020603050405020304" pitchFamily="18" charset="0"/>
                 <a:cs typeface="Times New Roman" panose="02020603050405020304" pitchFamily="18" charset="0"/>
               </a:rPr>
@@ -6203,7 +6208,7 @@
           <a:lstStyle/>
           <a:p>
             <a:r>
-              <a:rPr lang="nl-NL" sz="2500" dirty="0" smtClean="0">
+              <a:rPr lang="nl-NL" sz="2500" dirty="0">
                 <a:latin typeface="Times New Roman" panose="02020603050405020304" pitchFamily="18" charset="0"/>
                 <a:cs typeface="Times New Roman" panose="02020603050405020304" pitchFamily="18" charset="0"/>
               </a:rPr>
@@ -6226,13 +6231,6 @@
   <p:clrMapOvr>
     <a:masterClrMapping/>
   </p:clrMapOvr>
-  <p:timing>
-    <p:tnLst>
-      <p:par>
-        <p:cTn id="1" dur="indefinite" restart="never" nodeType="tmRoot"/>
-      </p:par>
-    </p:tnLst>
-  </p:timing>
 </p:sld>
 </file>
 
@@ -6271,7 +6269,7 @@
           <a:lstStyle/>
           <a:p>
             <a:r>
-              <a:rPr lang="nl-NL" sz="5500" dirty="0" smtClean="0">
+              <a:rPr lang="nl-NL" sz="5500" dirty="0">
                 <a:latin typeface="Times New Roman" panose="02020603050405020304" pitchFamily="18" charset="0"/>
                 <a:cs typeface="Times New Roman" panose="02020603050405020304" pitchFamily="18" charset="0"/>
               </a:rPr>
@@ -6300,7 +6298,7 @@
           <a:lstStyle/>
           <a:p>
             <a:r>
-              <a:rPr lang="nl-NL" dirty="0" smtClean="0">
+              <a:rPr lang="nl-NL" dirty="0">
                 <a:latin typeface="Times New Roman" panose="02020603050405020304" pitchFamily="18" charset="0"/>
                 <a:cs typeface="Times New Roman" panose="02020603050405020304" pitchFamily="18" charset="0"/>
               </a:rPr>
@@ -6309,7 +6307,7 @@
           </a:p>
           <a:p>
             <a:r>
-              <a:rPr lang="nl-NL" dirty="0" smtClean="0">
+              <a:rPr lang="nl-NL" dirty="0">
                 <a:latin typeface="Times New Roman" panose="02020603050405020304" pitchFamily="18" charset="0"/>
                 <a:cs typeface="Times New Roman" panose="02020603050405020304" pitchFamily="18" charset="0"/>
               </a:rPr>
@@ -6318,30 +6316,29 @@
           </a:p>
           <a:p>
             <a:r>
-              <a:rPr lang="nl-NL" dirty="0" smtClean="0">
-                <a:latin typeface="Times New Roman" panose="02020603050405020304" pitchFamily="18" charset="0"/>
-                <a:cs typeface="Times New Roman" panose="02020603050405020304" pitchFamily="18" charset="0"/>
-              </a:rPr>
-              <a:t>Object, Array </a:t>
-            </a:r>
-            <a:r>
               <a:rPr lang="nl-NL" dirty="0">
                 <a:latin typeface="Times New Roman" panose="02020603050405020304" pitchFamily="18" charset="0"/>
                 <a:cs typeface="Times New Roman" panose="02020603050405020304" pitchFamily="18" charset="0"/>
               </a:rPr>
-              <a:t>&amp; </a:t>
-            </a:r>
-            <a:r>
-              <a:rPr lang="nl-NL" dirty="0" smtClean="0">
+              <a:t>Object, Array &amp; HashMap</a:t>
+            </a:r>
+          </a:p>
+          <a:p>
+            <a:r>
+              <a:rPr lang="nl-NL">
                 <a:latin typeface="Times New Roman" panose="02020603050405020304" pitchFamily="18" charset="0"/>
                 <a:cs typeface="Times New Roman" panose="02020603050405020304" pitchFamily="18" charset="0"/>
               </a:rPr>
-              <a:t>HashMap</a:t>
-            </a:r>
-          </a:p>
-          <a:p>
-            <a:r>
-              <a:rPr lang="nl-NL" dirty="0" smtClean="0">
+              <a:t>What’s new in NGRX 8</a:t>
+            </a:r>
+            <a:endParaRPr lang="nl-NL" dirty="0">
+              <a:latin typeface="Times New Roman" panose="02020603050405020304" pitchFamily="18" charset="0"/>
+              <a:cs typeface="Times New Roman" panose="02020603050405020304" pitchFamily="18" charset="0"/>
+            </a:endParaRPr>
+          </a:p>
+          <a:p>
+            <a:r>
+              <a:rPr lang="nl-NL" dirty="0">
                 <a:latin typeface="Times New Roman" panose="02020603050405020304" pitchFamily="18" charset="0"/>
                 <a:cs typeface="Times New Roman" panose="02020603050405020304" pitchFamily="18" charset="0"/>
               </a:rPr>
@@ -6350,7 +6347,7 @@
           </a:p>
           <a:p>
             <a:r>
-              <a:rPr lang="nl-NL" dirty="0" smtClean="0">
+              <a:rPr lang="nl-NL" dirty="0">
                 <a:latin typeface="Times New Roman" panose="02020603050405020304" pitchFamily="18" charset="0"/>
                 <a:cs typeface="Times New Roman" panose="02020603050405020304" pitchFamily="18" charset="0"/>
               </a:rPr>
@@ -6373,13 +6370,6 @@
   <p:clrMapOvr>
     <a:masterClrMapping/>
   </p:clrMapOvr>
-  <p:timing>
-    <p:tnLst>
-      <p:par>
-        <p:cTn id="1" dur="indefinite" restart="never" nodeType="tmRoot"/>
-      </p:par>
-    </p:tnLst>
-  </p:timing>
 </p:sld>
 </file>
 
@@ -6508,55 +6498,23 @@
                 <a:latin typeface="Times New Roman" panose="02020603050405020304" pitchFamily="18" charset="0"/>
                 <a:cs typeface="Times New Roman" panose="02020603050405020304" pitchFamily="18" charset="0"/>
               </a:rPr>
-              <a:t> Effects gives you a framework for isolating side effects from your components by connecting observables of actions to your store</a:t>
-            </a:r>
-            <a:r>
-              <a:rPr lang="en-US" dirty="0" smtClean="0">
+              <a:t> Effects gives you a framework for isolating side effects from your components by connecting observables of actions to your store. </a:t>
+            </a:r>
+          </a:p>
+          <a:p>
+            <a:r>
+              <a:rPr lang="en-US" dirty="0" err="1">
                 <a:latin typeface="Times New Roman" panose="02020603050405020304" pitchFamily="18" charset="0"/>
                 <a:cs typeface="Times New Roman" panose="02020603050405020304" pitchFamily="18" charset="0"/>
               </a:rPr>
-              <a:t>.</a:t>
+              <a:t>NgRx</a:t>
             </a:r>
             <a:r>
               <a:rPr lang="en-US" dirty="0">
                 <a:latin typeface="Times New Roman" panose="02020603050405020304" pitchFamily="18" charset="0"/>
                 <a:cs typeface="Times New Roman" panose="02020603050405020304" pitchFamily="18" charset="0"/>
               </a:rPr>
-              <a:t> </a:t>
-            </a:r>
-            <a:endParaRPr lang="en-US" dirty="0" smtClean="0">
-              <a:latin typeface="Times New Roman" panose="02020603050405020304" pitchFamily="18" charset="0"/>
-              <a:cs typeface="Times New Roman" panose="02020603050405020304" pitchFamily="18" charset="0"/>
-            </a:endParaRPr>
-          </a:p>
-          <a:p>
-            <a:r>
-              <a:rPr lang="en-US" dirty="0" err="1" smtClean="0">
-                <a:latin typeface="Times New Roman" panose="02020603050405020304" pitchFamily="18" charset="0"/>
-                <a:cs typeface="Times New Roman" panose="02020603050405020304" pitchFamily="18" charset="0"/>
-              </a:rPr>
-              <a:t>NgRx</a:t>
-            </a:r>
-            <a:r>
-              <a:rPr lang="en-US" dirty="0" smtClean="0">
-                <a:latin typeface="Times New Roman" panose="02020603050405020304" pitchFamily="18" charset="0"/>
-                <a:cs typeface="Times New Roman" panose="02020603050405020304" pitchFamily="18" charset="0"/>
-              </a:rPr>
-              <a:t> </a:t>
-            </a:r>
-            <a:r>
-              <a:rPr lang="en-US" dirty="0">
-                <a:latin typeface="Times New Roman" panose="02020603050405020304" pitchFamily="18" charset="0"/>
-                <a:cs typeface="Times New Roman" panose="02020603050405020304" pitchFamily="18" charset="0"/>
-              </a:rPr>
-              <a:t>Schematics helps you avoid writing common boilerplate and instead focus on building your application</a:t>
-            </a:r>
-            <a:r>
-              <a:rPr lang="en-US" dirty="0">
-                <a:latin typeface="Times New Roman" panose="02020603050405020304" pitchFamily="18" charset="0"/>
-                <a:cs typeface="Times New Roman" panose="02020603050405020304" pitchFamily="18" charset="0"/>
-              </a:rPr>
-              <a:t/>
+              <a:t> Schematics helps you avoid writing common boilerplate and instead focus on building your application</a:t>
             </a:r>
             <a:br>
               <a:rPr lang="en-US" dirty="0">
@@ -6581,13 +6539,6 @@
   <p:clrMapOvr>
     <a:masterClrMapping/>
   </p:clrMapOvr>
-  <p:timing>
-    <p:tnLst>
-      <p:par>
-        <p:cTn id="1" dur="indefinite" restart="never" nodeType="tmRoot"/>
-      </p:par>
-    </p:tnLst>
-  </p:timing>
 </p:sld>
 </file>
 
@@ -6686,13 +6637,6 @@
   <p:clrMapOvr>
     <a:masterClrMapping/>
   </p:clrMapOvr>
-  <p:timing>
-    <p:tnLst>
-      <p:par>
-        <p:cTn id="1" dur="indefinite" restart="never" nodeType="tmRoot"/>
-      </p:par>
-    </p:tnLst>
-  </p:timing>
 </p:sld>
 </file>
 
@@ -6766,7 +6710,7 @@
               <a:buNone/>
             </a:pPr>
             <a:r>
-              <a:rPr lang="en-US" smtClean="0">
+              <a:rPr lang="en-US">
                 <a:hlinkClick r:id="rId2"/>
               </a:rPr>
               <a:t>https</a:t>
@@ -6775,15 +6719,9 @@
               <a:rPr lang="en-US" dirty="0">
                 <a:hlinkClick r:id="rId2"/>
               </a:rPr>
-              <a:t>://</a:t>
-            </a:r>
-            <a:r>
-              <a:rPr lang="en-US" dirty="0" smtClean="0">
-                <a:hlinkClick r:id="rId2"/>
-              </a:rPr>
-              <a:t>medium.com/front-end-weekly/es6-map-vs-object-what-and-when-b80621932373</a:t>
-            </a:r>
-            <a:endParaRPr lang="en-US" dirty="0" smtClean="0"/>
+              <a:t>://medium.com/front-end-weekly/es6-map-vs-object-what-and-when-b80621932373</a:t>
+            </a:r>
+            <a:endParaRPr lang="en-US" dirty="0"/>
           </a:p>
           <a:p>
             <a:pPr marL="0" indent="0">

--- a/NgRx/NGRX Part 2.pptx
+++ b/NgRx/NGRX Part 2.pptx
@@ -10,6 +10,7 @@
     <p:sldId id="258" r:id="rId4"/>
     <p:sldId id="259" r:id="rId5"/>
     <p:sldId id="260" r:id="rId6"/>
+    <p:sldId id="261" r:id="rId7"/>
   </p:sldIdLst>
   <p:sldSz cx="12192000" cy="6858000"/>
   <p:notesSz cx="6858000" cy="9144000"/>
@@ -6325,16 +6326,12 @@
           </a:p>
           <a:p>
             <a:r>
-              <a:rPr lang="nl-NL">
+              <a:rPr lang="nl-NL" dirty="0">
                 <a:latin typeface="Times New Roman" panose="02020603050405020304" pitchFamily="18" charset="0"/>
                 <a:cs typeface="Times New Roman" panose="02020603050405020304" pitchFamily="18" charset="0"/>
               </a:rPr>
               <a:t>What’s new in NGRX 8</a:t>
             </a:r>
-            <a:endParaRPr lang="nl-NL" dirty="0">
-              <a:latin typeface="Times New Roman" panose="02020603050405020304" pitchFamily="18" charset="0"/>
-              <a:cs typeface="Times New Roman" panose="02020603050405020304" pitchFamily="18" charset="0"/>
-            </a:endParaRPr>
           </a:p>
           <a:p>
             <a:r>
@@ -6735,6 +6732,243 @@
     <p:extLst>
       <p:ext uri="{BB962C8B-B14F-4D97-AF65-F5344CB8AC3E}">
         <p14:creationId xmlns:p14="http://schemas.microsoft.com/office/powerpoint/2010/main" val="1342762734"/>
+      </p:ext>
+    </p:extLst>
+  </p:cSld>
+  <p:clrMapOvr>
+    <a:masterClrMapping/>
+  </p:clrMapOvr>
+</p:sld>
+</file>
+
+<file path=ppt/slides/slide6.xml><?xml version="1.0" encoding="utf-8"?>
+<p:sld xmlns:a="http://schemas.openxmlformats.org/drawingml/2006/main" xmlns:r="http://schemas.openxmlformats.org/officeDocument/2006/relationships" xmlns:p="http://schemas.openxmlformats.org/presentationml/2006/main">
+  <p:cSld>
+    <p:spTree>
+      <p:nvGrpSpPr>
+        <p:cNvPr id="1" name=""/>
+        <p:cNvGrpSpPr/>
+        <p:nvPr/>
+      </p:nvGrpSpPr>
+      <p:grpSpPr>
+        <a:xfrm>
+          <a:off x="0" y="0"/>
+          <a:ext cx="0" cy="0"/>
+          <a:chOff x="0" y="0"/>
+          <a:chExt cx="0" cy="0"/>
+        </a:xfrm>
+      </p:grpSpPr>
+      <p:sp>
+        <p:nvSpPr>
+          <p:cNvPr id="2" name="Title 1">
+            <a:extLst>
+              <a:ext uri="{FF2B5EF4-FFF2-40B4-BE49-F238E27FC236}">
+                <a16:creationId xmlns:a16="http://schemas.microsoft.com/office/drawing/2014/main" id="{07C7A6B9-44CD-4005-B425-780CFD49D720}"/>
+              </a:ext>
+            </a:extLst>
+          </p:cNvPr>
+          <p:cNvSpPr>
+            <a:spLocks noGrp="1"/>
+          </p:cNvSpPr>
+          <p:nvPr>
+            <p:ph type="title"/>
+          </p:nvPr>
+        </p:nvSpPr>
+        <p:spPr/>
+        <p:txBody>
+          <a:bodyPr>
+            <a:noAutofit/>
+          </a:bodyPr>
+          <a:lstStyle/>
+          <a:p>
+            <a:r>
+              <a:rPr lang="nl-NL" sz="5500" dirty="0">
+                <a:latin typeface="Times New Roman" panose="02020603050405020304" pitchFamily="18" charset="0"/>
+                <a:cs typeface="Times New Roman" panose="02020603050405020304" pitchFamily="18" charset="0"/>
+              </a:rPr>
+              <a:t>What’s new in NGRX 8</a:t>
+            </a:r>
+            <a:br>
+              <a:rPr lang="nl-NL" sz="5500" dirty="0">
+                <a:latin typeface="Times New Roman" panose="02020603050405020304" pitchFamily="18" charset="0"/>
+                <a:cs typeface="Times New Roman" panose="02020603050405020304" pitchFamily="18" charset="0"/>
+              </a:rPr>
+            </a:br>
+            <a:endParaRPr lang="en-US" sz="5500" dirty="0"/>
+          </a:p>
+        </p:txBody>
+      </p:sp>
+      <p:sp>
+        <p:nvSpPr>
+          <p:cNvPr id="3" name="Content Placeholder 2">
+            <a:extLst>
+              <a:ext uri="{FF2B5EF4-FFF2-40B4-BE49-F238E27FC236}">
+                <a16:creationId xmlns:a16="http://schemas.microsoft.com/office/drawing/2014/main" id="{25B7DE74-9C22-4E3E-A52E-4A2C719479CD}"/>
+              </a:ext>
+            </a:extLst>
+          </p:cNvPr>
+          <p:cNvSpPr>
+            <a:spLocks noGrp="1"/>
+          </p:cNvSpPr>
+          <p:nvPr>
+            <p:ph idx="1"/>
+          </p:nvPr>
+        </p:nvSpPr>
+        <p:spPr/>
+        <p:txBody>
+          <a:bodyPr/>
+          <a:lstStyle/>
+          <a:p>
+            <a:r>
+              <a:rPr lang="en-US" dirty="0">
+                <a:latin typeface="Times New Roman" panose="02020603050405020304" pitchFamily="18" charset="0"/>
+                <a:cs typeface="Times New Roman" panose="02020603050405020304" pitchFamily="18" charset="0"/>
+              </a:rPr>
+              <a:t>Provided new way to defined actions, reducers, effects</a:t>
+            </a:r>
+          </a:p>
+          <a:p>
+            <a:r>
+              <a:rPr lang="en-US" dirty="0">
+                <a:latin typeface="Times New Roman" panose="02020603050405020304" pitchFamily="18" charset="0"/>
+                <a:cs typeface="Times New Roman" panose="02020603050405020304" pitchFamily="18" charset="0"/>
+              </a:rPr>
+              <a:t>Actions: </a:t>
+            </a:r>
+            <a:r>
+              <a:rPr lang="en-US" dirty="0" err="1">
+                <a:solidFill>
+                  <a:schemeClr val="accent1"/>
+                </a:solidFill>
+                <a:latin typeface="Times New Roman" panose="02020603050405020304" pitchFamily="18" charset="0"/>
+                <a:cs typeface="Times New Roman" panose="02020603050405020304" pitchFamily="18" charset="0"/>
+              </a:rPr>
+              <a:t>createAction</a:t>
+            </a:r>
+            <a:endParaRPr lang="en-US" dirty="0">
+              <a:solidFill>
+                <a:schemeClr val="accent1"/>
+              </a:solidFill>
+              <a:latin typeface="Times New Roman" panose="02020603050405020304" pitchFamily="18" charset="0"/>
+              <a:cs typeface="Times New Roman" panose="02020603050405020304" pitchFamily="18" charset="0"/>
+            </a:endParaRPr>
+          </a:p>
+          <a:p>
+            <a:r>
+              <a:rPr lang="en-US" dirty="0">
+                <a:latin typeface="Times New Roman" panose="02020603050405020304" pitchFamily="18" charset="0"/>
+                <a:cs typeface="Times New Roman" panose="02020603050405020304" pitchFamily="18" charset="0"/>
+              </a:rPr>
+              <a:t>Reducers: </a:t>
+            </a:r>
+            <a:r>
+              <a:rPr lang="en-US" dirty="0" err="1">
+                <a:solidFill>
+                  <a:schemeClr val="accent1"/>
+                </a:solidFill>
+                <a:latin typeface="Times New Roman" panose="02020603050405020304" pitchFamily="18" charset="0"/>
+                <a:cs typeface="Times New Roman" panose="02020603050405020304" pitchFamily="18" charset="0"/>
+              </a:rPr>
+              <a:t>createReducer</a:t>
+            </a:r>
+            <a:endParaRPr lang="en-US" dirty="0">
+              <a:solidFill>
+                <a:schemeClr val="accent1"/>
+              </a:solidFill>
+              <a:latin typeface="Times New Roman" panose="02020603050405020304" pitchFamily="18" charset="0"/>
+              <a:cs typeface="Times New Roman" panose="02020603050405020304" pitchFamily="18" charset="0"/>
+            </a:endParaRPr>
+          </a:p>
+          <a:p>
+            <a:r>
+              <a:rPr lang="en-US" dirty="0">
+                <a:latin typeface="Times New Roman" panose="02020603050405020304" pitchFamily="18" charset="0"/>
+                <a:cs typeface="Times New Roman" panose="02020603050405020304" pitchFamily="18" charset="0"/>
+              </a:rPr>
+              <a:t>Selectors: </a:t>
+            </a:r>
+            <a:r>
+              <a:rPr lang="en-US" dirty="0" err="1">
+                <a:solidFill>
+                  <a:schemeClr val="accent1"/>
+                </a:solidFill>
+                <a:latin typeface="Times New Roman" panose="02020603050405020304" pitchFamily="18" charset="0"/>
+                <a:cs typeface="Times New Roman" panose="02020603050405020304" pitchFamily="18" charset="0"/>
+              </a:rPr>
+              <a:t>createSelector</a:t>
+            </a:r>
+            <a:endParaRPr lang="en-US" dirty="0">
+              <a:solidFill>
+                <a:schemeClr val="accent1"/>
+              </a:solidFill>
+              <a:latin typeface="Times New Roman" panose="02020603050405020304" pitchFamily="18" charset="0"/>
+              <a:cs typeface="Times New Roman" panose="02020603050405020304" pitchFamily="18" charset="0"/>
+            </a:endParaRPr>
+          </a:p>
+          <a:p>
+            <a:r>
+              <a:rPr lang="en-US" dirty="0">
+                <a:latin typeface="Times New Roman" panose="02020603050405020304" pitchFamily="18" charset="0"/>
+                <a:cs typeface="Times New Roman" panose="02020603050405020304" pitchFamily="18" charset="0"/>
+              </a:rPr>
+              <a:t>Effects: </a:t>
+            </a:r>
+            <a:r>
+              <a:rPr lang="en-US" dirty="0" err="1">
+                <a:solidFill>
+                  <a:schemeClr val="accent1"/>
+                </a:solidFill>
+                <a:latin typeface="Times New Roman" panose="02020603050405020304" pitchFamily="18" charset="0"/>
+                <a:cs typeface="Times New Roman" panose="02020603050405020304" pitchFamily="18" charset="0"/>
+              </a:rPr>
+              <a:t>createEffect</a:t>
+            </a:r>
+            <a:endParaRPr lang="en-US" dirty="0">
+              <a:solidFill>
+                <a:schemeClr val="accent1"/>
+              </a:solidFill>
+              <a:latin typeface="Times New Roman" panose="02020603050405020304" pitchFamily="18" charset="0"/>
+              <a:cs typeface="Times New Roman" panose="02020603050405020304" pitchFamily="18" charset="0"/>
+            </a:endParaRPr>
+          </a:p>
+          <a:p>
+            <a:r>
+              <a:rPr lang="en-US" dirty="0">
+                <a:latin typeface="Times New Roman" panose="02020603050405020304" pitchFamily="18" charset="0"/>
+                <a:cs typeface="Times New Roman" panose="02020603050405020304" pitchFamily="18" charset="0"/>
+              </a:rPr>
+              <a:t>Entity: </a:t>
+            </a:r>
+            <a:r>
+              <a:rPr lang="en-US" dirty="0" err="1">
+                <a:solidFill>
+                  <a:schemeClr val="accent1"/>
+                </a:solidFill>
+                <a:latin typeface="Times New Roman" panose="02020603050405020304" pitchFamily="18" charset="0"/>
+                <a:cs typeface="Times New Roman" panose="02020603050405020304" pitchFamily="18" charset="0"/>
+              </a:rPr>
+              <a:t>createEntityAdapter</a:t>
+            </a:r>
+            <a:endParaRPr lang="en-US" dirty="0">
+              <a:solidFill>
+                <a:schemeClr val="accent1"/>
+              </a:solidFill>
+              <a:latin typeface="Times New Roman" panose="02020603050405020304" pitchFamily="18" charset="0"/>
+              <a:cs typeface="Times New Roman" panose="02020603050405020304" pitchFamily="18" charset="0"/>
+            </a:endParaRPr>
+          </a:p>
+          <a:p>
+            <a:endParaRPr lang="en-US" dirty="0">
+              <a:latin typeface="Times New Roman" panose="02020603050405020304" pitchFamily="18" charset="0"/>
+              <a:cs typeface="Times New Roman" panose="02020603050405020304" pitchFamily="18" charset="0"/>
+            </a:endParaRPr>
+          </a:p>
+        </p:txBody>
+      </p:sp>
+    </p:spTree>
+    <p:extLst>
+      <p:ext uri="{BB962C8B-B14F-4D97-AF65-F5344CB8AC3E}">
+        <p14:creationId xmlns:p14="http://schemas.microsoft.com/office/powerpoint/2010/main" val="2410726104"/>
       </p:ext>
     </p:extLst>
   </p:cSld>

--- a/NgRx/NGRX Part 2.pptx
+++ b/NgRx/NGRX Part 2.pptx
@@ -11,6 +11,7 @@
     <p:sldId id="259" r:id="rId5"/>
     <p:sldId id="260" r:id="rId6"/>
     <p:sldId id="261" r:id="rId7"/>
+    <p:sldId id="262" r:id="rId8"/>
   </p:sldIdLst>
   <p:sldSz cx="12192000" cy="6858000"/>
   <p:notesSz cx="6858000" cy="9144000"/>
@@ -6295,11 +6296,13 @@
         </p:nvSpPr>
         <p:spPr/>
         <p:txBody>
-          <a:bodyPr/>
+          <a:bodyPr>
+            <a:noAutofit/>
+          </a:bodyPr>
           <a:lstStyle/>
           <a:p>
             <a:r>
-              <a:rPr lang="nl-NL" dirty="0">
+              <a:rPr lang="nl-NL" sz="2600" dirty="0">
                 <a:latin typeface="Times New Roman" panose="02020603050405020304" pitchFamily="18" charset="0"/>
                 <a:cs typeface="Times New Roman" panose="02020603050405020304" pitchFamily="18" charset="0"/>
               </a:rPr>
@@ -6308,7 +6311,7 @@
           </a:p>
           <a:p>
             <a:r>
-              <a:rPr lang="nl-NL" dirty="0">
+              <a:rPr lang="nl-NL" sz="2600" dirty="0">
                 <a:latin typeface="Times New Roman" panose="02020603050405020304" pitchFamily="18" charset="0"/>
                 <a:cs typeface="Times New Roman" panose="02020603050405020304" pitchFamily="18" charset="0"/>
               </a:rPr>
@@ -6317,7 +6320,7 @@
           </a:p>
           <a:p>
             <a:r>
-              <a:rPr lang="nl-NL" dirty="0">
+              <a:rPr lang="nl-NL" sz="2600" dirty="0">
                 <a:latin typeface="Times New Roman" panose="02020603050405020304" pitchFamily="18" charset="0"/>
                 <a:cs typeface="Times New Roman" panose="02020603050405020304" pitchFamily="18" charset="0"/>
               </a:rPr>
@@ -6326,7 +6329,7 @@
           </a:p>
           <a:p>
             <a:r>
-              <a:rPr lang="nl-NL" dirty="0">
+              <a:rPr lang="nl-NL" sz="2600" dirty="0">
                 <a:latin typeface="Times New Roman" panose="02020603050405020304" pitchFamily="18" charset="0"/>
                 <a:cs typeface="Times New Roman" panose="02020603050405020304" pitchFamily="18" charset="0"/>
               </a:rPr>
@@ -6335,7 +6338,7 @@
           </a:p>
           <a:p>
             <a:r>
-              <a:rPr lang="nl-NL" dirty="0">
+              <a:rPr lang="nl-NL" sz="2600" dirty="0">
                 <a:latin typeface="Times New Roman" panose="02020603050405020304" pitchFamily="18" charset="0"/>
                 <a:cs typeface="Times New Roman" panose="02020603050405020304" pitchFamily="18" charset="0"/>
               </a:rPr>
@@ -6344,13 +6347,13 @@
           </a:p>
           <a:p>
             <a:r>
-              <a:rPr lang="nl-NL" dirty="0">
+              <a:rPr lang="nl-NL" sz="2600" dirty="0">
                 <a:latin typeface="Times New Roman" panose="02020603050405020304" pitchFamily="18" charset="0"/>
                 <a:cs typeface="Times New Roman" panose="02020603050405020304" pitchFamily="18" charset="0"/>
               </a:rPr>
               <a:t>Demo</a:t>
             </a:r>
-            <a:endParaRPr lang="en-US" dirty="0">
+            <a:endParaRPr lang="en-US" sz="2600" dirty="0">
               <a:latin typeface="Times New Roman" panose="02020603050405020304" pitchFamily="18" charset="0"/>
               <a:cs typeface="Times New Roman" panose="02020603050405020304" pitchFamily="18" charset="0"/>
             </a:endParaRPr>
@@ -6434,92 +6437,78 @@
             <p:ph idx="1"/>
           </p:nvPr>
         </p:nvSpPr>
-        <p:spPr/>
-        <p:txBody>
-          <a:bodyPr/>
+        <p:spPr>
+          <a:xfrm>
+            <a:off x="1484310" y="2666999"/>
+            <a:ext cx="10018713" cy="3576783"/>
+          </a:xfrm>
+        </p:spPr>
+        <p:txBody>
+          <a:bodyPr>
+            <a:noAutofit/>
+          </a:bodyPr>
           <a:lstStyle/>
           <a:p>
             <a:r>
-              <a:rPr lang="en-US" dirty="0" err="1">
+              <a:rPr lang="en-US" sz="2600" dirty="0">
+                <a:latin typeface="Times New Roman" panose="02020603050405020304" pitchFamily="18" charset="0"/>
+                <a:cs typeface="Times New Roman" panose="02020603050405020304" pitchFamily="18" charset="0"/>
+              </a:rPr>
+              <a:t>NGRX Store provides reactive state management for Angular apps inspired by Redux. Unify the events in your application and derive state using </a:t>
+            </a:r>
+            <a:r>
+              <a:rPr lang="en-US" sz="2600" dirty="0" err="1">
+                <a:latin typeface="Times New Roman" panose="02020603050405020304" pitchFamily="18" charset="0"/>
+                <a:cs typeface="Times New Roman" panose="02020603050405020304" pitchFamily="18" charset="0"/>
+              </a:rPr>
+              <a:t>RxJS</a:t>
+            </a:r>
+            <a:r>
+              <a:rPr lang="en-US" sz="2600" dirty="0">
+                <a:latin typeface="Times New Roman" panose="02020603050405020304" pitchFamily="18" charset="0"/>
+                <a:cs typeface="Times New Roman" panose="02020603050405020304" pitchFamily="18" charset="0"/>
+              </a:rPr>
+              <a:t>.</a:t>
+            </a:r>
+          </a:p>
+          <a:p>
+            <a:r>
+              <a:rPr lang="en-US" sz="2600" dirty="0" err="1">
                 <a:latin typeface="Times New Roman" panose="02020603050405020304" pitchFamily="18" charset="0"/>
                 <a:cs typeface="Times New Roman" panose="02020603050405020304" pitchFamily="18" charset="0"/>
               </a:rPr>
               <a:t>NgRx</a:t>
             </a:r>
             <a:r>
-              <a:rPr lang="en-US" dirty="0">
+              <a:rPr lang="en-US" sz="2600" dirty="0">
                 <a:latin typeface="Times New Roman" panose="02020603050405020304" pitchFamily="18" charset="0"/>
                 <a:cs typeface="Times New Roman" panose="02020603050405020304" pitchFamily="18" charset="0"/>
               </a:rPr>
-              <a:t> Store provides reactive state management for Angular apps inspired by </a:t>
-            </a:r>
-            <a:r>
-              <a:rPr lang="en-US" dirty="0" err="1">
-                <a:latin typeface="Times New Roman" panose="02020603050405020304" pitchFamily="18" charset="0"/>
-                <a:cs typeface="Times New Roman" panose="02020603050405020304" pitchFamily="18" charset="0"/>
-              </a:rPr>
-              <a:t>Redux</a:t>
-            </a:r>
-            <a:r>
-              <a:rPr lang="en-US" dirty="0">
-                <a:latin typeface="Times New Roman" panose="02020603050405020304" pitchFamily="18" charset="0"/>
-                <a:cs typeface="Times New Roman" panose="02020603050405020304" pitchFamily="18" charset="0"/>
-              </a:rPr>
-              <a:t>. Unify the events in your application and derive state using </a:t>
-            </a:r>
-            <a:r>
-              <a:rPr lang="en-US" dirty="0" err="1">
-                <a:latin typeface="Times New Roman" panose="02020603050405020304" pitchFamily="18" charset="0"/>
-                <a:cs typeface="Times New Roman" panose="02020603050405020304" pitchFamily="18" charset="0"/>
-              </a:rPr>
-              <a:t>RxJS</a:t>
-            </a:r>
-            <a:r>
-              <a:rPr lang="en-US" dirty="0">
-                <a:latin typeface="Times New Roman" panose="02020603050405020304" pitchFamily="18" charset="0"/>
-                <a:cs typeface="Times New Roman" panose="02020603050405020304" pitchFamily="18" charset="0"/>
-              </a:rPr>
-              <a:t>.</a:t>
-            </a:r>
-          </a:p>
-          <a:p>
-            <a:r>
-              <a:rPr lang="en-US" dirty="0" err="1">
+              <a:t> Effects gives you a framework for isolating side effects from your components by connecting observables of actions to your store. </a:t>
+            </a:r>
+          </a:p>
+          <a:p>
+            <a:r>
+              <a:rPr lang="en-US" sz="2600" dirty="0" err="1">
                 <a:latin typeface="Times New Roman" panose="02020603050405020304" pitchFamily="18" charset="0"/>
                 <a:cs typeface="Times New Roman" panose="02020603050405020304" pitchFamily="18" charset="0"/>
               </a:rPr>
               <a:t>NgRx</a:t>
             </a:r>
             <a:r>
-              <a:rPr lang="en-US" dirty="0">
-                <a:latin typeface="Times New Roman" panose="02020603050405020304" pitchFamily="18" charset="0"/>
-                <a:cs typeface="Times New Roman" panose="02020603050405020304" pitchFamily="18" charset="0"/>
-              </a:rPr>
-              <a:t> Effects gives you a framework for isolating side effects from your components by connecting observables of actions to your store. </a:t>
-            </a:r>
-          </a:p>
-          <a:p>
-            <a:r>
-              <a:rPr lang="en-US" dirty="0" err="1">
-                <a:latin typeface="Times New Roman" panose="02020603050405020304" pitchFamily="18" charset="0"/>
-                <a:cs typeface="Times New Roman" panose="02020603050405020304" pitchFamily="18" charset="0"/>
-              </a:rPr>
-              <a:t>NgRx</a:t>
-            </a:r>
-            <a:r>
-              <a:rPr lang="en-US" dirty="0">
+              <a:rPr lang="en-US" sz="2600" dirty="0">
                 <a:latin typeface="Times New Roman" panose="02020603050405020304" pitchFamily="18" charset="0"/>
                 <a:cs typeface="Times New Roman" panose="02020603050405020304" pitchFamily="18" charset="0"/>
               </a:rPr>
               <a:t> Schematics helps you avoid writing common boilerplate and instead focus on building your application</a:t>
             </a:r>
             <a:br>
-              <a:rPr lang="en-US" dirty="0">
+              <a:rPr lang="en-US" sz="2600" dirty="0">
                 <a:latin typeface="Times New Roman" panose="02020603050405020304" pitchFamily="18" charset="0"/>
                 <a:cs typeface="Times New Roman" panose="02020603050405020304" pitchFamily="18" charset="0"/>
               </a:rPr>
             </a:br>
-            <a:endParaRPr lang="en-US" dirty="0">
+            <a:endParaRPr lang="en-US" sz="2600" dirty="0">
               <a:latin typeface="Times New Roman" panose="02020603050405020304" pitchFamily="18" charset="0"/>
               <a:cs typeface="Times New Roman" panose="02020603050405020304" pitchFamily="18" charset="0"/>
             </a:endParaRPr>
@@ -6814,13 +6803,20 @@
             <p:ph idx="1"/>
           </p:nvPr>
         </p:nvSpPr>
-        <p:spPr/>
-        <p:txBody>
-          <a:bodyPr/>
+        <p:spPr>
+          <a:xfrm>
+            <a:off x="1484310" y="2666999"/>
+            <a:ext cx="10018713" cy="3401292"/>
+          </a:xfrm>
+        </p:spPr>
+        <p:txBody>
+          <a:bodyPr>
+            <a:noAutofit/>
+          </a:bodyPr>
           <a:lstStyle/>
           <a:p>
             <a:r>
-              <a:rPr lang="en-US" dirty="0">
+              <a:rPr lang="en-US" sz="2600" dirty="0">
                 <a:latin typeface="Times New Roman" panose="02020603050405020304" pitchFamily="18" charset="0"/>
                 <a:cs typeface="Times New Roman" panose="02020603050405020304" pitchFamily="18" charset="0"/>
               </a:rPr>
@@ -6829,14 +6825,14 @@
           </a:p>
           <a:p>
             <a:r>
-              <a:rPr lang="en-US" dirty="0">
+              <a:rPr lang="en-US" sz="2600" dirty="0">
                 <a:latin typeface="Times New Roman" panose="02020603050405020304" pitchFamily="18" charset="0"/>
                 <a:cs typeface="Times New Roman" panose="02020603050405020304" pitchFamily="18" charset="0"/>
               </a:rPr>
               <a:t>Actions: </a:t>
             </a:r>
             <a:r>
-              <a:rPr lang="en-US" dirty="0" err="1">
+              <a:rPr lang="en-US" sz="2600" dirty="0" err="1">
                 <a:solidFill>
                   <a:schemeClr val="accent1"/>
                 </a:solidFill>
@@ -6845,7 +6841,7 @@
               </a:rPr>
               <a:t>createAction</a:t>
             </a:r>
-            <a:endParaRPr lang="en-US" dirty="0">
+            <a:endParaRPr lang="en-US" sz="2600" dirty="0">
               <a:solidFill>
                 <a:schemeClr val="accent1"/>
               </a:solidFill>
@@ -6855,14 +6851,14 @@
           </a:p>
           <a:p>
             <a:r>
-              <a:rPr lang="en-US" dirty="0">
+              <a:rPr lang="en-US" sz="2600" dirty="0">
                 <a:latin typeface="Times New Roman" panose="02020603050405020304" pitchFamily="18" charset="0"/>
                 <a:cs typeface="Times New Roman" panose="02020603050405020304" pitchFamily="18" charset="0"/>
               </a:rPr>
               <a:t>Reducers: </a:t>
             </a:r>
             <a:r>
-              <a:rPr lang="en-US" dirty="0" err="1">
+              <a:rPr lang="en-US" sz="2600" dirty="0" err="1">
                 <a:solidFill>
                   <a:schemeClr val="accent1"/>
                 </a:solidFill>
@@ -6871,7 +6867,7 @@
               </a:rPr>
               <a:t>createReducer</a:t>
             </a:r>
-            <a:endParaRPr lang="en-US" dirty="0">
+            <a:endParaRPr lang="en-US" sz="2600" dirty="0">
               <a:solidFill>
                 <a:schemeClr val="accent1"/>
               </a:solidFill>
@@ -6881,14 +6877,14 @@
           </a:p>
           <a:p>
             <a:r>
-              <a:rPr lang="en-US" dirty="0">
+              <a:rPr lang="en-US" sz="2600" dirty="0">
                 <a:latin typeface="Times New Roman" panose="02020603050405020304" pitchFamily="18" charset="0"/>
                 <a:cs typeface="Times New Roman" panose="02020603050405020304" pitchFamily="18" charset="0"/>
               </a:rPr>
               <a:t>Selectors: </a:t>
             </a:r>
             <a:r>
-              <a:rPr lang="en-US" dirty="0" err="1">
+              <a:rPr lang="en-US" sz="2600" dirty="0" err="1">
                 <a:solidFill>
                   <a:schemeClr val="accent1"/>
                 </a:solidFill>
@@ -6897,7 +6893,7 @@
               </a:rPr>
               <a:t>createSelector</a:t>
             </a:r>
-            <a:endParaRPr lang="en-US" dirty="0">
+            <a:endParaRPr lang="en-US" sz="2600" dirty="0">
               <a:solidFill>
                 <a:schemeClr val="accent1"/>
               </a:solidFill>
@@ -6907,14 +6903,14 @@
           </a:p>
           <a:p>
             <a:r>
-              <a:rPr lang="en-US" dirty="0">
+              <a:rPr lang="en-US" sz="2600" dirty="0">
                 <a:latin typeface="Times New Roman" panose="02020603050405020304" pitchFamily="18" charset="0"/>
                 <a:cs typeface="Times New Roman" panose="02020603050405020304" pitchFamily="18" charset="0"/>
               </a:rPr>
               <a:t>Effects: </a:t>
             </a:r>
             <a:r>
-              <a:rPr lang="en-US" dirty="0" err="1">
+              <a:rPr lang="en-US" sz="2600" dirty="0" err="1">
                 <a:solidFill>
                   <a:schemeClr val="accent1"/>
                 </a:solidFill>
@@ -6923,7 +6919,7 @@
               </a:rPr>
               <a:t>createEffect</a:t>
             </a:r>
-            <a:endParaRPr lang="en-US" dirty="0">
+            <a:endParaRPr lang="en-US" sz="2600" dirty="0">
               <a:solidFill>
                 <a:schemeClr val="accent1"/>
               </a:solidFill>
@@ -6933,14 +6929,14 @@
           </a:p>
           <a:p>
             <a:r>
-              <a:rPr lang="en-US" dirty="0">
+              <a:rPr lang="en-US" sz="2600" dirty="0">
                 <a:latin typeface="Times New Roman" panose="02020603050405020304" pitchFamily="18" charset="0"/>
                 <a:cs typeface="Times New Roman" panose="02020603050405020304" pitchFamily="18" charset="0"/>
               </a:rPr>
               <a:t>Entity: </a:t>
             </a:r>
             <a:r>
-              <a:rPr lang="en-US" dirty="0" err="1">
+              <a:rPr lang="en-US" sz="2600" dirty="0" err="1">
                 <a:solidFill>
                   <a:schemeClr val="accent1"/>
                 </a:solidFill>
@@ -6949,7 +6945,7 @@
               </a:rPr>
               <a:t>createEntityAdapter</a:t>
             </a:r>
-            <a:endParaRPr lang="en-US" dirty="0">
+            <a:endParaRPr lang="en-US" sz="2600" dirty="0">
               <a:solidFill>
                 <a:schemeClr val="accent1"/>
               </a:solidFill>
@@ -6958,7 +6954,7 @@
             </a:endParaRPr>
           </a:p>
           <a:p>
-            <a:endParaRPr lang="en-US" dirty="0">
+            <a:endParaRPr lang="en-US" sz="2600" dirty="0">
               <a:latin typeface="Times New Roman" panose="02020603050405020304" pitchFamily="18" charset="0"/>
               <a:cs typeface="Times New Roman" panose="02020603050405020304" pitchFamily="18" charset="0"/>
             </a:endParaRPr>
@@ -6969,6 +6965,150 @@
     <p:extLst>
       <p:ext uri="{BB962C8B-B14F-4D97-AF65-F5344CB8AC3E}">
         <p14:creationId xmlns:p14="http://schemas.microsoft.com/office/powerpoint/2010/main" val="2410726104"/>
+      </p:ext>
+    </p:extLst>
+  </p:cSld>
+  <p:clrMapOvr>
+    <a:masterClrMapping/>
+  </p:clrMapOvr>
+</p:sld>
+</file>
+
+<file path=ppt/slides/slide7.xml><?xml version="1.0" encoding="utf-8"?>
+<p:sld xmlns:a="http://schemas.openxmlformats.org/drawingml/2006/main" xmlns:r="http://schemas.openxmlformats.org/officeDocument/2006/relationships" xmlns:p="http://schemas.openxmlformats.org/presentationml/2006/main">
+  <p:cSld>
+    <p:spTree>
+      <p:nvGrpSpPr>
+        <p:cNvPr id="1" name=""/>
+        <p:cNvGrpSpPr/>
+        <p:nvPr/>
+      </p:nvGrpSpPr>
+      <p:grpSpPr>
+        <a:xfrm>
+          <a:off x="0" y="0"/>
+          <a:ext cx="0" cy="0"/>
+          <a:chOff x="0" y="0"/>
+          <a:chExt cx="0" cy="0"/>
+        </a:xfrm>
+      </p:grpSpPr>
+      <p:sp>
+        <p:nvSpPr>
+          <p:cNvPr id="2" name="Title 1">
+            <a:extLst>
+              <a:ext uri="{FF2B5EF4-FFF2-40B4-BE49-F238E27FC236}">
+                <a16:creationId xmlns:a16="http://schemas.microsoft.com/office/drawing/2014/main" id="{B8C01D79-5424-4894-9A57-61387EEF3791}"/>
+              </a:ext>
+            </a:extLst>
+          </p:cNvPr>
+          <p:cNvSpPr>
+            <a:spLocks noGrp="1"/>
+          </p:cNvSpPr>
+          <p:nvPr>
+            <p:ph type="title"/>
+          </p:nvPr>
+        </p:nvSpPr>
+        <p:spPr/>
+        <p:txBody>
+          <a:bodyPr>
+            <a:normAutofit/>
+          </a:bodyPr>
+          <a:lstStyle/>
+          <a:p>
+            <a:r>
+              <a:rPr lang="nl-NL" sz="5500" dirty="0">
+                <a:latin typeface="Times New Roman" panose="02020603050405020304" pitchFamily="18" charset="0"/>
+                <a:cs typeface="Times New Roman" panose="02020603050405020304" pitchFamily="18" charset="0"/>
+              </a:rPr>
+              <a:t>NGRX Entity</a:t>
+            </a:r>
+            <a:endParaRPr lang="en-US" sz="5500" dirty="0"/>
+          </a:p>
+        </p:txBody>
+      </p:sp>
+      <p:sp>
+        <p:nvSpPr>
+          <p:cNvPr id="3" name="Content Placeholder 2">
+            <a:extLst>
+              <a:ext uri="{FF2B5EF4-FFF2-40B4-BE49-F238E27FC236}">
+                <a16:creationId xmlns:a16="http://schemas.microsoft.com/office/drawing/2014/main" id="{80654262-D706-4D8D-87D7-4A78C22A48AB}"/>
+              </a:ext>
+            </a:extLst>
+          </p:cNvPr>
+          <p:cNvSpPr>
+            <a:spLocks noGrp="1"/>
+          </p:cNvSpPr>
+          <p:nvPr>
+            <p:ph idx="1"/>
+          </p:nvPr>
+        </p:nvSpPr>
+        <p:spPr>
+          <a:xfrm>
+            <a:off x="1484310" y="2666999"/>
+            <a:ext cx="10018713" cy="3678383"/>
+          </a:xfrm>
+        </p:spPr>
+        <p:txBody>
+          <a:bodyPr>
+            <a:noAutofit/>
+          </a:bodyPr>
+          <a:lstStyle/>
+          <a:p>
+            <a:r>
+              <a:rPr lang="en-US" sz="2600" dirty="0">
+                <a:latin typeface="Times New Roman" panose="02020603050405020304" pitchFamily="18" charset="0"/>
+                <a:cs typeface="Times New Roman" panose="02020603050405020304" pitchFamily="18" charset="0"/>
+              </a:rPr>
+              <a:t>Entity State adapter for managing record collections.</a:t>
+            </a:r>
+          </a:p>
+          <a:p>
+            <a:r>
+              <a:rPr lang="en-US" sz="2600" dirty="0">
+                <a:latin typeface="Times New Roman" panose="02020603050405020304" pitchFamily="18" charset="0"/>
+                <a:cs typeface="Times New Roman" panose="02020603050405020304" pitchFamily="18" charset="0"/>
+              </a:rPr>
+              <a:t>Entity provides an API to manipulate and query entity collections.</a:t>
+            </a:r>
+          </a:p>
+          <a:p>
+            <a:r>
+              <a:rPr lang="en-US" sz="2600" dirty="0">
+                <a:latin typeface="Times New Roman" panose="02020603050405020304" pitchFamily="18" charset="0"/>
+                <a:cs typeface="Times New Roman" panose="02020603050405020304" pitchFamily="18" charset="0"/>
+              </a:rPr>
+              <a:t>Reduces boilerplate for creating reducers that manage a collection of models.</a:t>
+            </a:r>
+          </a:p>
+          <a:p>
+            <a:r>
+              <a:rPr lang="en-US" sz="2600" dirty="0">
+                <a:latin typeface="Times New Roman" panose="02020603050405020304" pitchFamily="18" charset="0"/>
+                <a:cs typeface="Times New Roman" panose="02020603050405020304" pitchFamily="18" charset="0"/>
+              </a:rPr>
+              <a:t>Provides performant CRUD operations for managing entity collections.</a:t>
+            </a:r>
+          </a:p>
+          <a:p>
+            <a:r>
+              <a:rPr lang="en-US" sz="2600" dirty="0">
+                <a:latin typeface="Times New Roman" panose="02020603050405020304" pitchFamily="18" charset="0"/>
+                <a:cs typeface="Times New Roman" panose="02020603050405020304" pitchFamily="18" charset="0"/>
+              </a:rPr>
+              <a:t>Extensible type-safe adapters for selecting entity information.</a:t>
+            </a:r>
+          </a:p>
+          <a:p>
+            <a:endParaRPr lang="en-US" sz="2600" dirty="0">
+              <a:latin typeface="Times New Roman" panose="02020603050405020304" pitchFamily="18" charset="0"/>
+              <a:cs typeface="Times New Roman" panose="02020603050405020304" pitchFamily="18" charset="0"/>
+            </a:endParaRPr>
+          </a:p>
+        </p:txBody>
+      </p:sp>
+    </p:spTree>
+    <p:extLst>
+      <p:ext uri="{BB962C8B-B14F-4D97-AF65-F5344CB8AC3E}">
+        <p14:creationId xmlns:p14="http://schemas.microsoft.com/office/powerpoint/2010/main" val="3474899215"/>
       </p:ext>
     </p:extLst>
   </p:cSld>

--- a/NgRx/NGRX Part 2.pptx
+++ b/NgRx/NGRX Part 2.pptx
@@ -12,6 +12,7 @@
     <p:sldId id="260" r:id="rId6"/>
     <p:sldId id="261" r:id="rId7"/>
     <p:sldId id="262" r:id="rId8"/>
+    <p:sldId id="263" r:id="rId9"/>
   </p:sldIdLst>
   <p:sldSz cx="12192000" cy="6858000"/>
   <p:notesSz cx="6858000" cy="9144000"/>
@@ -7118,6 +7119,184 @@
 </p:sld>
 </file>
 
+<file path=ppt/slides/slide8.xml><?xml version="1.0" encoding="utf-8"?>
+<p:sld xmlns:a="http://schemas.openxmlformats.org/drawingml/2006/main" xmlns:r="http://schemas.openxmlformats.org/officeDocument/2006/relationships" xmlns:p="http://schemas.openxmlformats.org/presentationml/2006/main">
+  <p:cSld>
+    <p:spTree>
+      <p:nvGrpSpPr>
+        <p:cNvPr id="1" name=""/>
+        <p:cNvGrpSpPr/>
+        <p:nvPr/>
+      </p:nvGrpSpPr>
+      <p:grpSpPr>
+        <a:xfrm>
+          <a:off x="0" y="0"/>
+          <a:ext cx="0" cy="0"/>
+          <a:chOff x="0" y="0"/>
+          <a:chExt cx="0" cy="0"/>
+        </a:xfrm>
+      </p:grpSpPr>
+      <p:sp>
+        <p:nvSpPr>
+          <p:cNvPr id="2" name="Title 1">
+            <a:extLst>
+              <a:ext uri="{FF2B5EF4-FFF2-40B4-BE49-F238E27FC236}">
+                <a16:creationId xmlns:a16="http://schemas.microsoft.com/office/drawing/2014/main" id="{761C03C4-E935-4D14-BE7D-F4D1992542D9}"/>
+              </a:ext>
+            </a:extLst>
+          </p:cNvPr>
+          <p:cNvSpPr>
+            <a:spLocks noGrp="1"/>
+          </p:cNvSpPr>
+          <p:nvPr>
+            <p:ph type="title"/>
+          </p:nvPr>
+        </p:nvSpPr>
+        <p:spPr/>
+        <p:txBody>
+          <a:bodyPr>
+            <a:normAutofit/>
+          </a:bodyPr>
+          <a:lstStyle/>
+          <a:p>
+            <a:r>
+              <a:rPr lang="nl-NL" sz="5500" dirty="0">
+                <a:latin typeface="Times New Roman" panose="02020603050405020304" pitchFamily="18" charset="0"/>
+                <a:cs typeface="Times New Roman" panose="02020603050405020304" pitchFamily="18" charset="0"/>
+              </a:rPr>
+              <a:t>NGRX Effects</a:t>
+            </a:r>
+            <a:endParaRPr lang="en-US" sz="5500" dirty="0"/>
+          </a:p>
+        </p:txBody>
+      </p:sp>
+      <p:sp>
+        <p:nvSpPr>
+          <p:cNvPr id="3" name="Content Placeholder 2">
+            <a:extLst>
+              <a:ext uri="{FF2B5EF4-FFF2-40B4-BE49-F238E27FC236}">
+                <a16:creationId xmlns:a16="http://schemas.microsoft.com/office/drawing/2014/main" id="{D7215419-52F9-4945-BF64-96EB8E2E21BB}"/>
+              </a:ext>
+            </a:extLst>
+          </p:cNvPr>
+          <p:cNvSpPr>
+            <a:spLocks noGrp="1"/>
+          </p:cNvSpPr>
+          <p:nvPr>
+            <p:ph idx="1"/>
+          </p:nvPr>
+        </p:nvSpPr>
+        <p:spPr>
+          <a:xfrm>
+            <a:off x="1484310" y="2666999"/>
+            <a:ext cx="10018713" cy="3733801"/>
+          </a:xfrm>
+        </p:spPr>
+        <p:txBody>
+          <a:bodyPr>
+            <a:noAutofit/>
+          </a:bodyPr>
+          <a:lstStyle/>
+          <a:p>
+            <a:r>
+              <a:rPr lang="en-US" sz="2600" dirty="0">
+                <a:latin typeface="Times New Roman" panose="02020603050405020304" pitchFamily="18" charset="0"/>
+                <a:cs typeface="Times New Roman" panose="02020603050405020304" pitchFamily="18" charset="0"/>
+              </a:rPr>
+              <a:t>Effects isolate side effects from components, allowing for more </a:t>
+            </a:r>
+            <a:r>
+              <a:rPr lang="en-US" sz="2600" i="1" dirty="0">
+                <a:latin typeface="Times New Roman" panose="02020603050405020304" pitchFamily="18" charset="0"/>
+                <a:cs typeface="Times New Roman" panose="02020603050405020304" pitchFamily="18" charset="0"/>
+              </a:rPr>
+              <a:t>pure</a:t>
+            </a:r>
+            <a:r>
+              <a:rPr lang="en-US" sz="2600" dirty="0">
+                <a:latin typeface="Times New Roman" panose="02020603050405020304" pitchFamily="18" charset="0"/>
+                <a:cs typeface="Times New Roman" panose="02020603050405020304" pitchFamily="18" charset="0"/>
+              </a:rPr>
+              <a:t> components that select state and dispatch actions.</a:t>
+            </a:r>
+          </a:p>
+          <a:p>
+            <a:r>
+              <a:rPr lang="en-US" sz="2600" dirty="0">
+                <a:latin typeface="Times New Roman" panose="02020603050405020304" pitchFamily="18" charset="0"/>
+                <a:cs typeface="Times New Roman" panose="02020603050405020304" pitchFamily="18" charset="0"/>
+              </a:rPr>
+              <a:t>Effects are long-running services that listen to an observable of </a:t>
+            </a:r>
+            <a:r>
+              <a:rPr lang="en-US" sz="2600" i="1" dirty="0">
+                <a:latin typeface="Times New Roman" panose="02020603050405020304" pitchFamily="18" charset="0"/>
+                <a:cs typeface="Times New Roman" panose="02020603050405020304" pitchFamily="18" charset="0"/>
+              </a:rPr>
+              <a:t>every</a:t>
+            </a:r>
+            <a:r>
+              <a:rPr lang="en-US" sz="2600" dirty="0">
+                <a:latin typeface="Times New Roman" panose="02020603050405020304" pitchFamily="18" charset="0"/>
+                <a:cs typeface="Times New Roman" panose="02020603050405020304" pitchFamily="18" charset="0"/>
+              </a:rPr>
+              <a:t> action dispatched from the </a:t>
+            </a:r>
+            <a:r>
+              <a:rPr lang="en-US" sz="2600" dirty="0">
+                <a:latin typeface="Times New Roman" panose="02020603050405020304" pitchFamily="18" charset="0"/>
+                <a:cs typeface="Times New Roman" panose="02020603050405020304" pitchFamily="18" charset="0"/>
+                <a:hlinkClick r:id="rId2"/>
+              </a:rPr>
+              <a:t>Store</a:t>
+            </a:r>
+            <a:r>
+              <a:rPr lang="en-US" sz="2600" dirty="0">
+                <a:latin typeface="Times New Roman" panose="02020603050405020304" pitchFamily="18" charset="0"/>
+                <a:cs typeface="Times New Roman" panose="02020603050405020304" pitchFamily="18" charset="0"/>
+              </a:rPr>
+              <a:t>.</a:t>
+            </a:r>
+          </a:p>
+          <a:p>
+            <a:r>
+              <a:rPr lang="en-US" sz="2600" dirty="0">
+                <a:latin typeface="Times New Roman" panose="02020603050405020304" pitchFamily="18" charset="0"/>
+                <a:cs typeface="Times New Roman" panose="02020603050405020304" pitchFamily="18" charset="0"/>
+              </a:rPr>
+              <a:t>Effects filter those actions based on the type of action they are interested in. This is done by using an operator.</a:t>
+            </a:r>
+          </a:p>
+          <a:p>
+            <a:r>
+              <a:rPr lang="en-US" sz="2600" dirty="0">
+                <a:latin typeface="Times New Roman" panose="02020603050405020304" pitchFamily="18" charset="0"/>
+                <a:cs typeface="Times New Roman" panose="02020603050405020304" pitchFamily="18" charset="0"/>
+              </a:rPr>
+              <a:t>Effects perform tasks, which are synchronous or asynchronous and return a new action.</a:t>
+            </a:r>
+          </a:p>
+          <a:p>
+            <a:endParaRPr lang="en-US" sz="2600" dirty="0">
+              <a:latin typeface="Times New Roman" panose="02020603050405020304" pitchFamily="18" charset="0"/>
+              <a:cs typeface="Times New Roman" panose="02020603050405020304" pitchFamily="18" charset="0"/>
+            </a:endParaRPr>
+          </a:p>
+        </p:txBody>
+      </p:sp>
+    </p:spTree>
+    <p:extLst>
+      <p:ext uri="{BB962C8B-B14F-4D97-AF65-F5344CB8AC3E}">
+        <p14:creationId xmlns:p14="http://schemas.microsoft.com/office/powerpoint/2010/main" val="3788094727"/>
+      </p:ext>
+    </p:extLst>
+  </p:cSld>
+  <p:clrMapOvr>
+    <a:masterClrMapping/>
+  </p:clrMapOvr>
+</p:sld>
+</file>
+
 <file path=ppt/theme/theme1.xml><?xml version="1.0" encoding="utf-8"?>
 <a:theme xmlns:a="http://schemas.openxmlformats.org/drawingml/2006/main" name="Parallax">
   <a:themeElements>

--- a/NgRx/NGRX Part 2.pptx
+++ b/NgRx/NGRX Part 2.pptx
@@ -13,6 +13,7 @@
     <p:sldId id="261" r:id="rId7"/>
     <p:sldId id="262" r:id="rId8"/>
     <p:sldId id="263" r:id="rId9"/>
+    <p:sldId id="264" r:id="rId10"/>
   </p:sldIdLst>
   <p:sldSz cx="12192000" cy="6858000"/>
   <p:notesSz cx="6858000" cy="9144000"/>
@@ -7297,6 +7298,174 @@
 </p:sld>
 </file>
 
+<file path=ppt/slides/slide9.xml><?xml version="1.0" encoding="utf-8"?>
+<p:sld xmlns:a="http://schemas.openxmlformats.org/drawingml/2006/main" xmlns:r="http://schemas.openxmlformats.org/officeDocument/2006/relationships" xmlns:p="http://schemas.openxmlformats.org/presentationml/2006/main">
+  <p:cSld>
+    <p:spTree>
+      <p:nvGrpSpPr>
+        <p:cNvPr id="1" name=""/>
+        <p:cNvGrpSpPr/>
+        <p:nvPr/>
+      </p:nvGrpSpPr>
+      <p:grpSpPr>
+        <a:xfrm>
+          <a:off x="0" y="0"/>
+          <a:ext cx="0" cy="0"/>
+          <a:chOff x="0" y="0"/>
+          <a:chExt cx="0" cy="0"/>
+        </a:xfrm>
+      </p:grpSpPr>
+      <p:sp>
+        <p:nvSpPr>
+          <p:cNvPr id="2" name="Title 1">
+            <a:extLst>
+              <a:ext uri="{FF2B5EF4-FFF2-40B4-BE49-F238E27FC236}">
+                <a16:creationId xmlns:a16="http://schemas.microsoft.com/office/drawing/2014/main" id="{FEFDA24B-C3E5-4CA7-9698-467B600E9E4D}"/>
+              </a:ext>
+            </a:extLst>
+          </p:cNvPr>
+          <p:cNvSpPr>
+            <a:spLocks noGrp="1"/>
+          </p:cNvSpPr>
+          <p:nvPr>
+            <p:ph type="title"/>
+          </p:nvPr>
+        </p:nvSpPr>
+        <p:spPr/>
+        <p:txBody>
+          <a:bodyPr>
+            <a:normAutofit/>
+          </a:bodyPr>
+          <a:lstStyle/>
+          <a:p>
+            <a:r>
+              <a:rPr lang="nl-NL" sz="5500" dirty="0">
+                <a:latin typeface="Times New Roman" panose="02020603050405020304" pitchFamily="18" charset="0"/>
+                <a:cs typeface="Times New Roman" panose="02020603050405020304" pitchFamily="18" charset="0"/>
+              </a:rPr>
+              <a:t>NGRX Router Store</a:t>
+            </a:r>
+            <a:endParaRPr lang="en-US" sz="5500" dirty="0"/>
+          </a:p>
+        </p:txBody>
+      </p:sp>
+      <p:sp>
+        <p:nvSpPr>
+          <p:cNvPr id="3" name="Content Placeholder 2">
+            <a:extLst>
+              <a:ext uri="{FF2B5EF4-FFF2-40B4-BE49-F238E27FC236}">
+                <a16:creationId xmlns:a16="http://schemas.microsoft.com/office/drawing/2014/main" id="{8CB91232-1065-45D1-9C70-C2E53BDC329B}"/>
+              </a:ext>
+            </a:extLst>
+          </p:cNvPr>
+          <p:cNvSpPr>
+            <a:spLocks noGrp="1"/>
+          </p:cNvSpPr>
+          <p:nvPr>
+            <p:ph idx="1"/>
+          </p:nvPr>
+        </p:nvSpPr>
+        <p:spPr/>
+        <p:txBody>
+          <a:bodyPr>
+            <a:normAutofit/>
+          </a:bodyPr>
+          <a:lstStyle/>
+          <a:p>
+            <a:r>
+              <a:rPr lang="en-US" sz="2600" dirty="0">
+                <a:latin typeface="Times New Roman" panose="02020603050405020304" pitchFamily="18" charset="0"/>
+                <a:ea typeface="Tahoma" panose="020B0604030504040204" pitchFamily="34" charset="0"/>
+                <a:cs typeface="Times New Roman" panose="02020603050405020304" pitchFamily="18" charset="0"/>
+              </a:rPr>
+              <a:t>Bindings to connect the Angular Router with </a:t>
+            </a:r>
+            <a:r>
+              <a:rPr lang="en-US" sz="2600" dirty="0">
+                <a:latin typeface="Times New Roman" panose="02020603050405020304" pitchFamily="18" charset="0"/>
+                <a:ea typeface="Tahoma" panose="020B0604030504040204" pitchFamily="34" charset="0"/>
+                <a:cs typeface="Times New Roman" panose="02020603050405020304" pitchFamily="18" charset="0"/>
+                <a:hlinkClick r:id="rId2"/>
+              </a:rPr>
+              <a:t>Store</a:t>
+            </a:r>
+            <a:r>
+              <a:rPr lang="en-US" sz="2600">
+                <a:latin typeface="Times New Roman" panose="02020603050405020304" pitchFamily="18" charset="0"/>
+                <a:ea typeface="Tahoma" panose="020B0604030504040204" pitchFamily="34" charset="0"/>
+                <a:cs typeface="Times New Roman" panose="02020603050405020304" pitchFamily="18" charset="0"/>
+              </a:rPr>
+              <a:t>. </a:t>
+            </a:r>
+          </a:p>
+          <a:p>
+            <a:r>
+              <a:rPr lang="en-US" sz="2600">
+                <a:latin typeface="Times New Roman" panose="02020603050405020304" pitchFamily="18" charset="0"/>
+                <a:ea typeface="Tahoma" panose="020B0604030504040204" pitchFamily="34" charset="0"/>
+                <a:cs typeface="Times New Roman" panose="02020603050405020304" pitchFamily="18" charset="0"/>
+              </a:rPr>
+              <a:t>During </a:t>
+            </a:r>
+            <a:r>
+              <a:rPr lang="en-US" sz="2600" dirty="0">
+                <a:latin typeface="Times New Roman" panose="02020603050405020304" pitchFamily="18" charset="0"/>
+                <a:ea typeface="Tahoma" panose="020B0604030504040204" pitchFamily="34" charset="0"/>
+                <a:cs typeface="Times New Roman" panose="02020603050405020304" pitchFamily="18" charset="0"/>
+              </a:rPr>
+              <a:t>each router navigation cycle, multiple </a:t>
+            </a:r>
+            <a:r>
+              <a:rPr lang="en-US" sz="2600" dirty="0">
+                <a:latin typeface="Times New Roman" panose="02020603050405020304" pitchFamily="18" charset="0"/>
+                <a:ea typeface="Tahoma" panose="020B0604030504040204" pitchFamily="34" charset="0"/>
+                <a:cs typeface="Times New Roman" panose="02020603050405020304" pitchFamily="18" charset="0"/>
+                <a:hlinkClick r:id="rId3"/>
+              </a:rPr>
+              <a:t>actions</a:t>
+            </a:r>
+            <a:r>
+              <a:rPr lang="en-US" sz="2600" dirty="0">
+                <a:latin typeface="Times New Roman" panose="02020603050405020304" pitchFamily="18" charset="0"/>
+                <a:ea typeface="Tahoma" panose="020B0604030504040204" pitchFamily="34" charset="0"/>
+                <a:cs typeface="Times New Roman" panose="02020603050405020304" pitchFamily="18" charset="0"/>
+              </a:rPr>
+              <a:t> are dispatched that allow you to listen for changes in the router's state</a:t>
+            </a:r>
+            <a:r>
+              <a:rPr lang="en-US" sz="2600">
+                <a:latin typeface="Times New Roman" panose="02020603050405020304" pitchFamily="18" charset="0"/>
+                <a:ea typeface="Tahoma" panose="020B0604030504040204" pitchFamily="34" charset="0"/>
+                <a:cs typeface="Times New Roman" panose="02020603050405020304" pitchFamily="18" charset="0"/>
+              </a:rPr>
+              <a:t>. </a:t>
+            </a:r>
+          </a:p>
+          <a:p>
+            <a:r>
+              <a:rPr lang="en-US" sz="2600" dirty="0">
+                <a:latin typeface="Times New Roman" panose="02020603050405020304" pitchFamily="18" charset="0"/>
+                <a:ea typeface="Tahoma" panose="020B0604030504040204" pitchFamily="34" charset="0"/>
+                <a:cs typeface="Times New Roman" panose="02020603050405020304" pitchFamily="18" charset="0"/>
+              </a:rPr>
+              <a:t>You can then select data from the state of the router to provide additional information to your application.</a:t>
+            </a:r>
+          </a:p>
+        </p:txBody>
+      </p:sp>
+    </p:spTree>
+    <p:extLst>
+      <p:ext uri="{BB962C8B-B14F-4D97-AF65-F5344CB8AC3E}">
+        <p14:creationId xmlns:p14="http://schemas.microsoft.com/office/powerpoint/2010/main" val="2186507449"/>
+      </p:ext>
+    </p:extLst>
+  </p:cSld>
+  <p:clrMapOvr>
+    <a:masterClrMapping/>
+  </p:clrMapOvr>
+</p:sld>
+</file>
+
 <file path=ppt/theme/theme1.xml><?xml version="1.0" encoding="utf-8"?>
 <a:theme xmlns:a="http://schemas.openxmlformats.org/drawingml/2006/main" name="Parallax">
   <a:themeElements>

--- a/NgRx/NGRX Part 2.pptx
+++ b/NgRx/NGRX Part 2.pptx
@@ -14,6 +14,7 @@
     <p:sldId id="262" r:id="rId8"/>
     <p:sldId id="263" r:id="rId9"/>
     <p:sldId id="264" r:id="rId10"/>
+    <p:sldId id="265" r:id="rId11"/>
   </p:sldIdLst>
   <p:sldSz cx="12192000" cy="6858000"/>
   <p:notesSz cx="6858000" cy="9144000"/>
@@ -6238,6 +6239,140 @@
 </p:sld>
 </file>
 
+<file path=ppt/slides/slide10.xml><?xml version="1.0" encoding="utf-8"?>
+<p:sld xmlns:a="http://schemas.openxmlformats.org/drawingml/2006/main" xmlns:r="http://schemas.openxmlformats.org/officeDocument/2006/relationships" xmlns:p="http://schemas.openxmlformats.org/presentationml/2006/main">
+  <p:cSld>
+    <p:spTree>
+      <p:nvGrpSpPr>
+        <p:cNvPr id="1" name=""/>
+        <p:cNvGrpSpPr/>
+        <p:nvPr/>
+      </p:nvGrpSpPr>
+      <p:grpSpPr>
+        <a:xfrm>
+          <a:off x="0" y="0"/>
+          <a:ext cx="0" cy="0"/>
+          <a:chOff x="0" y="0"/>
+          <a:chExt cx="0" cy="0"/>
+        </a:xfrm>
+      </p:grpSpPr>
+      <p:sp>
+        <p:nvSpPr>
+          <p:cNvPr id="2" name="Title 1">
+            <a:extLst>
+              <a:ext uri="{FF2B5EF4-FFF2-40B4-BE49-F238E27FC236}">
+                <a16:creationId xmlns:a16="http://schemas.microsoft.com/office/drawing/2014/main" id="{4D1AE969-FC54-467C-93D4-710B61526748}"/>
+              </a:ext>
+            </a:extLst>
+          </p:cNvPr>
+          <p:cNvSpPr>
+            <a:spLocks noGrp="1"/>
+          </p:cNvSpPr>
+          <p:nvPr>
+            <p:ph type="title"/>
+          </p:nvPr>
+        </p:nvSpPr>
+        <p:spPr/>
+        <p:txBody>
+          <a:bodyPr>
+            <a:normAutofit/>
+          </a:bodyPr>
+          <a:lstStyle/>
+          <a:p>
+            <a:r>
+              <a:rPr lang="nl-NL" sz="5500">
+                <a:latin typeface="Times New Roman" panose="02020603050405020304" pitchFamily="18" charset="0"/>
+                <a:cs typeface="Times New Roman" panose="02020603050405020304" pitchFamily="18" charset="0"/>
+              </a:rPr>
+              <a:t>NGRX Schematic</a:t>
+            </a:r>
+            <a:endParaRPr lang="en-US" sz="5500" dirty="0"/>
+          </a:p>
+        </p:txBody>
+      </p:sp>
+      <p:sp>
+        <p:nvSpPr>
+          <p:cNvPr id="3" name="Content Placeholder 2">
+            <a:extLst>
+              <a:ext uri="{FF2B5EF4-FFF2-40B4-BE49-F238E27FC236}">
+                <a16:creationId xmlns:a16="http://schemas.microsoft.com/office/drawing/2014/main" id="{AAA1DD82-151F-4594-AE11-4E1C5630642E}"/>
+              </a:ext>
+            </a:extLst>
+          </p:cNvPr>
+          <p:cNvSpPr>
+            <a:spLocks noGrp="1"/>
+          </p:cNvSpPr>
+          <p:nvPr>
+            <p:ph idx="1"/>
+          </p:nvPr>
+        </p:nvSpPr>
+        <p:spPr/>
+        <p:txBody>
+          <a:bodyPr>
+            <a:normAutofit/>
+          </a:bodyPr>
+          <a:lstStyle/>
+          <a:p>
+            <a:r>
+              <a:rPr lang="en-US" sz="2600" dirty="0">
+                <a:latin typeface="Times New Roman" panose="02020603050405020304" pitchFamily="18" charset="0"/>
+                <a:cs typeface="Times New Roman" panose="02020603050405020304" pitchFamily="18" charset="0"/>
+              </a:rPr>
+              <a:t>Scaffolding library for Angular applications using </a:t>
+            </a:r>
+            <a:r>
+              <a:rPr lang="en-US" sz="2600" dirty="0" err="1">
+                <a:latin typeface="Times New Roman" panose="02020603050405020304" pitchFamily="18" charset="0"/>
+                <a:cs typeface="Times New Roman" panose="02020603050405020304" pitchFamily="18" charset="0"/>
+              </a:rPr>
+              <a:t>NgRx</a:t>
+            </a:r>
+            <a:r>
+              <a:rPr lang="en-US" sz="2600" dirty="0">
+                <a:latin typeface="Times New Roman" panose="02020603050405020304" pitchFamily="18" charset="0"/>
+                <a:cs typeface="Times New Roman" panose="02020603050405020304" pitchFamily="18" charset="0"/>
+              </a:rPr>
+              <a:t> libraries.</a:t>
+            </a:r>
+          </a:p>
+          <a:p>
+            <a:r>
+              <a:rPr lang="en-US" sz="2600" dirty="0">
+                <a:latin typeface="Times New Roman" panose="02020603050405020304" pitchFamily="18" charset="0"/>
+                <a:cs typeface="Times New Roman" panose="02020603050405020304" pitchFamily="18" charset="0"/>
+              </a:rPr>
+              <a:t>Schematics provides Angular CLI commands for generating files when building new </a:t>
+            </a:r>
+            <a:r>
+              <a:rPr lang="en-US" sz="2600" dirty="0" err="1">
+                <a:latin typeface="Times New Roman" panose="02020603050405020304" pitchFamily="18" charset="0"/>
+                <a:cs typeface="Times New Roman" panose="02020603050405020304" pitchFamily="18" charset="0"/>
+              </a:rPr>
+              <a:t>NgRx</a:t>
+            </a:r>
+            <a:r>
+              <a:rPr lang="en-US" sz="2600" dirty="0">
+                <a:latin typeface="Times New Roman" panose="02020603050405020304" pitchFamily="18" charset="0"/>
+                <a:cs typeface="Times New Roman" panose="02020603050405020304" pitchFamily="18" charset="0"/>
+              </a:rPr>
+              <a:t> feature areas and expanding existing ones. Built on top of Schematics, this tool integrates with the Angular CLI.</a:t>
+            </a:r>
+          </a:p>
+        </p:txBody>
+      </p:sp>
+    </p:spTree>
+    <p:extLst>
+      <p:ext uri="{BB962C8B-B14F-4D97-AF65-F5344CB8AC3E}">
+        <p14:creationId xmlns:p14="http://schemas.microsoft.com/office/powerpoint/2010/main" val="1198788196"/>
+      </p:ext>
+    </p:extLst>
+  </p:cSld>
+  <p:clrMapOvr>
+    <a:masterClrMapping/>
+  </p:clrMapOvr>
+</p:sld>
+</file>
+
 <file path=ppt/slides/slide2.xml><?xml version="1.0" encoding="utf-8"?>
 <p:sld xmlns:a="http://schemas.openxmlformats.org/drawingml/2006/main" xmlns:r="http://schemas.openxmlformats.org/officeDocument/2006/relationships" xmlns:p="http://schemas.openxmlformats.org/presentationml/2006/main">
   <p:cSld>
@@ -7390,7 +7525,7 @@
               <a:t>Store</a:t>
             </a:r>
             <a:r>
-              <a:rPr lang="en-US" sz="2600">
+              <a:rPr lang="en-US" sz="2600" dirty="0">
                 <a:latin typeface="Times New Roman" panose="02020603050405020304" pitchFamily="18" charset="0"/>
                 <a:ea typeface="Tahoma" panose="020B0604030504040204" pitchFamily="34" charset="0"/>
                 <a:cs typeface="Times New Roman" panose="02020603050405020304" pitchFamily="18" charset="0"/>
@@ -7400,20 +7535,12 @@
           </a:p>
           <a:p>
             <a:r>
-              <a:rPr lang="en-US" sz="2600">
-                <a:latin typeface="Times New Roman" panose="02020603050405020304" pitchFamily="18" charset="0"/>
-                <a:ea typeface="Tahoma" panose="020B0604030504040204" pitchFamily="34" charset="0"/>
-                <a:cs typeface="Times New Roman" panose="02020603050405020304" pitchFamily="18" charset="0"/>
-              </a:rPr>
-              <a:t>During </a:t>
-            </a:r>
-            <a:r>
               <a:rPr lang="en-US" sz="2600" dirty="0">
                 <a:latin typeface="Times New Roman" panose="02020603050405020304" pitchFamily="18" charset="0"/>
                 <a:ea typeface="Tahoma" panose="020B0604030504040204" pitchFamily="34" charset="0"/>
                 <a:cs typeface="Times New Roman" panose="02020603050405020304" pitchFamily="18" charset="0"/>
               </a:rPr>
-              <a:t>each router navigation cycle, multiple </a:t>
+              <a:t>During each router navigation cycle, multiple </a:t>
             </a:r>
             <a:r>
               <a:rPr lang="en-US" sz="2600" dirty="0">
@@ -7430,15 +7557,7 @@
                 <a:ea typeface="Tahoma" panose="020B0604030504040204" pitchFamily="34" charset="0"/>
                 <a:cs typeface="Times New Roman" panose="02020603050405020304" pitchFamily="18" charset="0"/>
               </a:rPr>
-              <a:t> are dispatched that allow you to listen for changes in the router's state</a:t>
-            </a:r>
-            <a:r>
-              <a:rPr lang="en-US" sz="2600">
-                <a:latin typeface="Times New Roman" panose="02020603050405020304" pitchFamily="18" charset="0"/>
-                <a:ea typeface="Tahoma" panose="020B0604030504040204" pitchFamily="34" charset="0"/>
-                <a:cs typeface="Times New Roman" panose="02020603050405020304" pitchFamily="18" charset="0"/>
-              </a:rPr>
-              <a:t>. </a:t>
+              <a:t> are dispatched that allow you to listen for changes in the router's state. </a:t>
             </a:r>
           </a:p>
           <a:p>

--- a/NgRx/NGRX Part 2.pptx
+++ b/NgRx/NGRX Part 2.pptx
@@ -6280,7 +6280,7 @@
           <a:lstStyle/>
           <a:p>
             <a:r>
-              <a:rPr lang="nl-NL" sz="5500">
+              <a:rPr lang="nl-NL" sz="5500" dirty="0">
                 <a:latin typeface="Times New Roman" panose="02020603050405020304" pitchFamily="18" charset="0"/>
                 <a:cs typeface="Times New Roman" panose="02020603050405020304" pitchFamily="18" charset="0"/>
               </a:rPr>

--- a/NgRx/NGRX Part 2.pptx
+++ b/NgRx/NGRX Part 2.pptx
@@ -6182,11 +6182,11 @@
               </a:rPr>
             </a:br>
             <a:r>
-              <a:rPr lang="nl-NL" dirty="0">
+              <a:rPr lang="nl-NL">
                 <a:latin typeface="Times New Roman" panose="02020603050405020304" pitchFamily="18" charset="0"/>
                 <a:cs typeface="Times New Roman" panose="02020603050405020304" pitchFamily="18" charset="0"/>
               </a:rPr>
-              <a:t>WITH NGRX</a:t>
+              <a:t>WITH NGRX V8</a:t>
             </a:r>
             <a:endParaRPr lang="en-US" dirty="0">
               <a:latin typeface="Times New Roman" panose="02020603050405020304" pitchFamily="18" charset="0"/>

--- a/NgRx/NGRX Part 2.pptx
+++ b/NgRx/NGRX Part 2.pptx
@@ -15,6 +15,8 @@
     <p:sldId id="263" r:id="rId9"/>
     <p:sldId id="264" r:id="rId10"/>
     <p:sldId id="265" r:id="rId11"/>
+    <p:sldId id="267" r:id="rId12"/>
+    <p:sldId id="266" r:id="rId13"/>
   </p:sldIdLst>
   <p:sldSz cx="12192000" cy="6858000"/>
   <p:notesSz cx="6858000" cy="9144000"/>
@@ -623,7 +625,7 @@
           <a:p>
             <a:fld id="{B5DB2D11-B6C9-434A-BD02-01E188E3A433}" type="datetimeFigureOut">
               <a:rPr lang="en-US" smtClean="0"/>
-              <a:t>7/31/2019</a:t>
+              <a:t>8/4/2019</a:t>
             </a:fld>
             <a:endParaRPr lang="en-US"/>
           </a:p>
@@ -919,7 +921,7 @@
           <a:p>
             <a:fld id="{B5DB2D11-B6C9-434A-BD02-01E188E3A433}" type="datetimeFigureOut">
               <a:rPr lang="en-US" smtClean="0"/>
-              <a:t>7/31/2019</a:t>
+              <a:t>8/4/2019</a:t>
             </a:fld>
             <a:endParaRPr lang="en-US"/>
           </a:p>
@@ -1167,7 +1169,7 @@
           <a:p>
             <a:fld id="{B5DB2D11-B6C9-434A-BD02-01E188E3A433}" type="datetimeFigureOut">
               <a:rPr lang="en-US" smtClean="0"/>
-              <a:t>7/31/2019</a:t>
+              <a:t>8/4/2019</a:t>
             </a:fld>
             <a:endParaRPr lang="en-US"/>
           </a:p>
@@ -1707,7 +1709,7 @@
           <a:p>
             <a:fld id="{B5DB2D11-B6C9-434A-BD02-01E188E3A433}" type="datetimeFigureOut">
               <a:rPr lang="en-US" smtClean="0"/>
-              <a:t>7/31/2019</a:t>
+              <a:t>8/4/2019</a:t>
             </a:fld>
             <a:endParaRPr lang="en-US"/>
           </a:p>
@@ -1955,7 +1957,7 @@
           <a:p>
             <a:fld id="{B5DB2D11-B6C9-434A-BD02-01E188E3A433}" type="datetimeFigureOut">
               <a:rPr lang="en-US" smtClean="0"/>
-              <a:t>7/31/2019</a:t>
+              <a:t>8/4/2019</a:t>
             </a:fld>
             <a:endParaRPr lang="en-US"/>
           </a:p>
@@ -2487,7 +2489,7 @@
           <a:p>
             <a:fld id="{B5DB2D11-B6C9-434A-BD02-01E188E3A433}" type="datetimeFigureOut">
               <a:rPr lang="en-US" smtClean="0"/>
-              <a:t>7/31/2019</a:t>
+              <a:t>8/4/2019</a:t>
             </a:fld>
             <a:endParaRPr lang="en-US"/>
           </a:p>
@@ -2784,7 +2786,7 @@
           <a:p>
             <a:fld id="{B5DB2D11-B6C9-434A-BD02-01E188E3A433}" type="datetimeFigureOut">
               <a:rPr lang="en-US" smtClean="0"/>
-              <a:t>7/31/2019</a:t>
+              <a:t>8/4/2019</a:t>
             </a:fld>
             <a:endParaRPr lang="en-US"/>
           </a:p>
@@ -2958,7 +2960,7 @@
           <a:p>
             <a:fld id="{B5DB2D11-B6C9-434A-BD02-01E188E3A433}" type="datetimeFigureOut">
               <a:rPr lang="en-US" smtClean="0"/>
-              <a:t>7/31/2019</a:t>
+              <a:t>8/4/2019</a:t>
             </a:fld>
             <a:endParaRPr lang="en-US"/>
           </a:p>
@@ -3138,7 +3140,7 @@
           <a:p>
             <a:fld id="{B5DB2D11-B6C9-434A-BD02-01E188E3A433}" type="datetimeFigureOut">
               <a:rPr lang="en-US" smtClean="0"/>
-              <a:t>7/31/2019</a:t>
+              <a:t>8/4/2019</a:t>
             </a:fld>
             <a:endParaRPr lang="en-US"/>
           </a:p>
@@ -3308,7 +3310,7 @@
           <a:p>
             <a:fld id="{B5DB2D11-B6C9-434A-BD02-01E188E3A433}" type="datetimeFigureOut">
               <a:rPr lang="en-US" smtClean="0"/>
-              <a:t>7/31/2019</a:t>
+              <a:t>8/4/2019</a:t>
             </a:fld>
             <a:endParaRPr lang="en-US"/>
           </a:p>
@@ -3559,7 +3561,7 @@
           <a:p>
             <a:fld id="{B5DB2D11-B6C9-434A-BD02-01E188E3A433}" type="datetimeFigureOut">
               <a:rPr lang="en-US" smtClean="0"/>
-              <a:t>7/31/2019</a:t>
+              <a:t>8/4/2019</a:t>
             </a:fld>
             <a:endParaRPr lang="en-US"/>
           </a:p>
@@ -3856,7 +3858,7 @@
           <a:p>
             <a:fld id="{B5DB2D11-B6C9-434A-BD02-01E188E3A433}" type="datetimeFigureOut">
               <a:rPr lang="en-US" smtClean="0"/>
-              <a:t>7/31/2019</a:t>
+              <a:t>8/4/2019</a:t>
             </a:fld>
             <a:endParaRPr lang="en-US"/>
           </a:p>
@@ -4298,7 +4300,7 @@
           <a:p>
             <a:fld id="{B5DB2D11-B6C9-434A-BD02-01E188E3A433}" type="datetimeFigureOut">
               <a:rPr lang="en-US" smtClean="0"/>
-              <a:t>7/31/2019</a:t>
+              <a:t>8/4/2019</a:t>
             </a:fld>
             <a:endParaRPr lang="en-US"/>
           </a:p>
@@ -4416,7 +4418,7 @@
           <a:p>
             <a:fld id="{B5DB2D11-B6C9-434A-BD02-01E188E3A433}" type="datetimeFigureOut">
               <a:rPr lang="en-US" smtClean="0"/>
-              <a:t>7/31/2019</a:t>
+              <a:t>8/4/2019</a:t>
             </a:fld>
             <a:endParaRPr lang="en-US"/>
           </a:p>
@@ -4511,7 +4513,7 @@
           <a:p>
             <a:fld id="{B5DB2D11-B6C9-434A-BD02-01E188E3A433}" type="datetimeFigureOut">
               <a:rPr lang="en-US" smtClean="0"/>
-              <a:t>7/31/2019</a:t>
+              <a:t>8/4/2019</a:t>
             </a:fld>
             <a:endParaRPr lang="en-US"/>
           </a:p>
@@ -4794,7 +4796,7 @@
           <a:p>
             <a:fld id="{B5DB2D11-B6C9-434A-BD02-01E188E3A433}" type="datetimeFigureOut">
               <a:rPr lang="en-US" smtClean="0"/>
-              <a:t>7/31/2019</a:t>
+              <a:t>8/4/2019</a:t>
             </a:fld>
             <a:endParaRPr lang="en-US"/>
           </a:p>
@@ -5085,7 +5087,7 @@
           <a:p>
             <a:fld id="{B5DB2D11-B6C9-434A-BD02-01E188E3A433}" type="datetimeFigureOut">
               <a:rPr lang="en-US" smtClean="0"/>
-              <a:t>7/31/2019</a:t>
+              <a:t>8/4/2019</a:t>
             </a:fld>
             <a:endParaRPr lang="en-US"/>
           </a:p>
@@ -5615,7 +5617,7 @@
           <a:p>
             <a:fld id="{B5DB2D11-B6C9-434A-BD02-01E188E3A433}" type="datetimeFigureOut">
               <a:rPr lang="en-US" smtClean="0"/>
-              <a:t>7/31/2019</a:t>
+              <a:t>8/4/2019</a:t>
             </a:fld>
             <a:endParaRPr lang="en-US"/>
           </a:p>
@@ -6261,7 +6263,7 @@
           <p:cNvPr id="2" name="Title 1">
             <a:extLst>
               <a:ext uri="{FF2B5EF4-FFF2-40B4-BE49-F238E27FC236}">
-                <a16:creationId xmlns:a16="http://schemas.microsoft.com/office/drawing/2014/main" id="{4D1AE969-FC54-467C-93D4-710B61526748}"/>
+                <a16:creationId xmlns:a16="http://schemas.microsoft.com/office/drawing/2014/main" xmlns="" id="{4D1AE969-FC54-467C-93D4-710B61526748}"/>
               </a:ext>
             </a:extLst>
           </p:cNvPr>
@@ -6280,7 +6282,7 @@
           <a:lstStyle/>
           <a:p>
             <a:r>
-              <a:rPr lang="nl-NL" sz="5500" dirty="0">
+              <a:rPr lang="nl-NL" sz="5500" dirty="0" smtClean="0">
                 <a:latin typeface="Times New Roman" panose="02020603050405020304" pitchFamily="18" charset="0"/>
                 <a:cs typeface="Times New Roman" panose="02020603050405020304" pitchFamily="18" charset="0"/>
               </a:rPr>
@@ -6295,7 +6297,7 @@
           <p:cNvPr id="3" name="Content Placeholder 2">
             <a:extLst>
               <a:ext uri="{FF2B5EF4-FFF2-40B4-BE49-F238E27FC236}">
-                <a16:creationId xmlns:a16="http://schemas.microsoft.com/office/drawing/2014/main" id="{AAA1DD82-151F-4594-AE11-4E1C5630642E}"/>
+                <a16:creationId xmlns:a16="http://schemas.microsoft.com/office/drawing/2014/main" xmlns="" id="{AAA1DD82-151F-4594-AE11-4E1C5630642E}"/>
               </a:ext>
             </a:extLst>
           </p:cNvPr>
@@ -6314,49 +6316,25 @@
           <a:lstStyle/>
           <a:p>
             <a:r>
-              <a:rPr lang="en-US" sz="2600" dirty="0">
+              <a:rPr lang="en-US" sz="2600" smtClean="0">
                 <a:latin typeface="Times New Roman" panose="02020603050405020304" pitchFamily="18" charset="0"/>
                 <a:cs typeface="Times New Roman" panose="02020603050405020304" pitchFamily="18" charset="0"/>
               </a:rPr>
-              <a:t>Scaffolding library for Angular applications using </a:t>
-            </a:r>
-            <a:r>
-              <a:rPr lang="en-US" sz="2600" dirty="0" err="1">
+              <a:t>Scaffolding library for Angular applications using NgRx libraries.</a:t>
+            </a:r>
+          </a:p>
+          <a:p>
+            <a:r>
+              <a:rPr lang="en-US" sz="2600" smtClean="0">
                 <a:latin typeface="Times New Roman" panose="02020603050405020304" pitchFamily="18" charset="0"/>
                 <a:cs typeface="Times New Roman" panose="02020603050405020304" pitchFamily="18" charset="0"/>
               </a:rPr>
-              <a:t>NgRx</a:t>
-            </a:r>
-            <a:r>
-              <a:rPr lang="en-US" sz="2600" dirty="0">
-                <a:latin typeface="Times New Roman" panose="02020603050405020304" pitchFamily="18" charset="0"/>
-                <a:cs typeface="Times New Roman" panose="02020603050405020304" pitchFamily="18" charset="0"/>
-              </a:rPr>
-              <a:t> libraries.</a:t>
-            </a:r>
-          </a:p>
-          <a:p>
-            <a:r>
-              <a:rPr lang="en-US" sz="2600" dirty="0">
-                <a:latin typeface="Times New Roman" panose="02020603050405020304" pitchFamily="18" charset="0"/>
-                <a:cs typeface="Times New Roman" panose="02020603050405020304" pitchFamily="18" charset="0"/>
-              </a:rPr>
-              <a:t>Schematics provides Angular CLI commands for generating files when building new </a:t>
-            </a:r>
-            <a:r>
-              <a:rPr lang="en-US" sz="2600" dirty="0" err="1">
-                <a:latin typeface="Times New Roman" panose="02020603050405020304" pitchFamily="18" charset="0"/>
-                <a:cs typeface="Times New Roman" panose="02020603050405020304" pitchFamily="18" charset="0"/>
-              </a:rPr>
-              <a:t>NgRx</a:t>
-            </a:r>
-            <a:r>
-              <a:rPr lang="en-US" sz="2600" dirty="0">
-                <a:latin typeface="Times New Roman" panose="02020603050405020304" pitchFamily="18" charset="0"/>
-                <a:cs typeface="Times New Roman" panose="02020603050405020304" pitchFamily="18" charset="0"/>
-              </a:rPr>
-              <a:t> feature areas and expanding existing ones. Built on top of Schematics, this tool integrates with the Angular CLI.</a:t>
-            </a:r>
+              <a:t>Schematics provides Angular CLI commands for generating files when building new NgRx feature areas and expanding existing ones. Built on top of Schematics, this tool integrates with the Angular CLI.</a:t>
+            </a:r>
+            <a:endParaRPr lang="en-US" sz="2600" dirty="0">
+              <a:latin typeface="Times New Roman" panose="02020603050405020304" pitchFamily="18" charset="0"/>
+              <a:cs typeface="Times New Roman" panose="02020603050405020304" pitchFamily="18" charset="0"/>
+            </a:endParaRPr>
           </a:p>
         </p:txBody>
       </p:sp>
@@ -6370,6 +6348,838 @@
   <p:clrMapOvr>
     <a:masterClrMapping/>
   </p:clrMapOvr>
+  <p:timing>
+    <p:tnLst>
+      <p:par>
+        <p:cTn id="1" dur="indefinite" restart="never" nodeType="tmRoot"/>
+      </p:par>
+    </p:tnLst>
+  </p:timing>
+</p:sld>
+</file>
+
+<file path=ppt/slides/slide11.xml><?xml version="1.0" encoding="utf-8"?>
+<p:sld xmlns:a="http://schemas.openxmlformats.org/drawingml/2006/main" xmlns:r="http://schemas.openxmlformats.org/officeDocument/2006/relationships" xmlns:p="http://schemas.openxmlformats.org/presentationml/2006/main">
+  <p:cSld>
+    <p:spTree>
+      <p:nvGrpSpPr>
+        <p:cNvPr id="1" name=""/>
+        <p:cNvGrpSpPr/>
+        <p:nvPr/>
+      </p:nvGrpSpPr>
+      <p:grpSpPr>
+        <a:xfrm>
+          <a:off x="0" y="0"/>
+          <a:ext cx="0" cy="0"/>
+          <a:chOff x="0" y="0"/>
+          <a:chExt cx="0" cy="0"/>
+        </a:xfrm>
+      </p:grpSpPr>
+      <p:sp>
+        <p:nvSpPr>
+          <p:cNvPr id="2" name="Title 1"/>
+          <p:cNvSpPr>
+            <a:spLocks noGrp="1"/>
+          </p:cNvSpPr>
+          <p:nvPr>
+            <p:ph type="title"/>
+          </p:nvPr>
+        </p:nvSpPr>
+        <p:spPr/>
+        <p:txBody>
+          <a:bodyPr>
+            <a:normAutofit/>
+          </a:bodyPr>
+          <a:lstStyle/>
+          <a:p>
+            <a:r>
+              <a:rPr lang="en-US" sz="5500" dirty="0" smtClean="0">
+                <a:latin typeface="Times New Roman" panose="02020603050405020304" pitchFamily="18" charset="0"/>
+                <a:cs typeface="Times New Roman" panose="02020603050405020304" pitchFamily="18" charset="0"/>
+              </a:rPr>
+              <a:t>What is good </a:t>
+            </a:r>
+            <a:r>
+              <a:rPr lang="en-US" sz="5500" dirty="0">
+                <a:latin typeface="Times New Roman" panose="02020603050405020304" pitchFamily="18" charset="0"/>
+                <a:cs typeface="Times New Roman" panose="02020603050405020304" pitchFamily="18" charset="0"/>
+              </a:rPr>
+              <a:t>action </a:t>
+            </a:r>
+            <a:r>
+              <a:rPr lang="en-US" sz="5500" dirty="0" smtClean="0">
+                <a:latin typeface="Times New Roman" panose="02020603050405020304" pitchFamily="18" charset="0"/>
+                <a:cs typeface="Times New Roman" panose="02020603050405020304" pitchFamily="18" charset="0"/>
+              </a:rPr>
+              <a:t>hygiene ?</a:t>
+            </a:r>
+            <a:endParaRPr lang="en-US" sz="5500" dirty="0">
+              <a:latin typeface="Times New Roman" panose="02020603050405020304" pitchFamily="18" charset="0"/>
+              <a:cs typeface="Times New Roman" panose="02020603050405020304" pitchFamily="18" charset="0"/>
+            </a:endParaRPr>
+          </a:p>
+        </p:txBody>
+      </p:sp>
+      <p:sp>
+        <p:nvSpPr>
+          <p:cNvPr id="3" name="Content Placeholder 2"/>
+          <p:cNvSpPr>
+            <a:spLocks noGrp="1"/>
+          </p:cNvSpPr>
+          <p:nvPr>
+            <p:ph idx="1"/>
+          </p:nvPr>
+        </p:nvSpPr>
+        <p:spPr>
+          <a:xfrm>
+            <a:off x="1484310" y="2242867"/>
+            <a:ext cx="10018713" cy="3548333"/>
+          </a:xfrm>
+        </p:spPr>
+        <p:txBody>
+          <a:bodyPr>
+            <a:normAutofit/>
+          </a:bodyPr>
+          <a:lstStyle/>
+          <a:p>
+            <a:r>
+              <a:rPr lang="nl-NL" dirty="0" smtClean="0"/>
+              <a:t>Action that </a:t>
+            </a:r>
+            <a:r>
+              <a:rPr lang="en-US" dirty="0"/>
+              <a:t>follow the "[Source] Event" </a:t>
+            </a:r>
+            <a:r>
+              <a:rPr lang="en-US" dirty="0" smtClean="0"/>
+              <a:t>convention</a:t>
+            </a:r>
+          </a:p>
+          <a:p>
+            <a:r>
+              <a:rPr lang="nl-NL" dirty="0" smtClean="0"/>
+              <a:t>Example</a:t>
+            </a:r>
+          </a:p>
+          <a:p>
+            <a:endParaRPr lang="nl-NL" dirty="0"/>
+          </a:p>
+          <a:p>
+            <a:pPr marL="0" indent="0">
+              <a:buNone/>
+            </a:pPr>
+            <a:endParaRPr lang="nl-NL" dirty="0" smtClean="0"/>
+          </a:p>
+          <a:p>
+            <a:endParaRPr lang="nl-NL" dirty="0" smtClean="0"/>
+          </a:p>
+        </p:txBody>
+      </p:sp>
+      <p:pic>
+        <p:nvPicPr>
+          <p:cNvPr id="7" name="Picture 6"/>
+          <p:cNvPicPr>
+            <a:picLocks noChangeAspect="1"/>
+          </p:cNvPicPr>
+          <p:nvPr/>
+        </p:nvPicPr>
+        <p:blipFill>
+          <a:blip r:embed="rId2">
+            <a:extLst>
+              <a:ext uri="{28A0092B-C50C-407E-A947-70E740481C1C}">
+                <a14:useLocalDpi xmlns:a14="http://schemas.microsoft.com/office/drawing/2010/main" val="0"/>
+              </a:ext>
+            </a:extLst>
+          </a:blip>
+          <a:stretch>
+            <a:fillRect/>
+          </a:stretch>
+        </p:blipFill>
+        <p:spPr>
+          <a:xfrm>
+            <a:off x="1565620" y="3995466"/>
+            <a:ext cx="10058400" cy="2365079"/>
+          </a:xfrm>
+          <a:prstGeom prst="rect">
+            <a:avLst/>
+          </a:prstGeom>
+        </p:spPr>
+      </p:pic>
+    </p:spTree>
+    <p:extLst>
+      <p:ext uri="{BB962C8B-B14F-4D97-AF65-F5344CB8AC3E}">
+        <p14:creationId xmlns:p14="http://schemas.microsoft.com/office/powerpoint/2010/main" val="780228986"/>
+      </p:ext>
+    </p:extLst>
+  </p:cSld>
+  <p:clrMapOvr>
+    <a:masterClrMapping/>
+  </p:clrMapOvr>
+  <p:timing>
+    <p:tnLst>
+      <p:par>
+        <p:cTn id="1" dur="indefinite" restart="never" nodeType="tmRoot"/>
+      </p:par>
+    </p:tnLst>
+  </p:timing>
+</p:sld>
+</file>
+
+<file path=ppt/slides/slide12.xml><?xml version="1.0" encoding="utf-8"?>
+<p:sld xmlns:a="http://schemas.openxmlformats.org/drawingml/2006/main" xmlns:r="http://schemas.openxmlformats.org/officeDocument/2006/relationships" xmlns:p="http://schemas.openxmlformats.org/presentationml/2006/main">
+  <p:cSld>
+    <p:spTree>
+      <p:nvGrpSpPr>
+        <p:cNvPr id="1" name=""/>
+        <p:cNvGrpSpPr/>
+        <p:nvPr/>
+      </p:nvGrpSpPr>
+      <p:grpSpPr>
+        <a:xfrm>
+          <a:off x="0" y="0"/>
+          <a:ext cx="0" cy="0"/>
+          <a:chOff x="0" y="0"/>
+          <a:chExt cx="0" cy="0"/>
+        </a:xfrm>
+      </p:grpSpPr>
+      <p:sp>
+        <p:nvSpPr>
+          <p:cNvPr id="2" name="Title 1"/>
+          <p:cNvSpPr>
+            <a:spLocks noGrp="1"/>
+          </p:cNvSpPr>
+          <p:nvPr>
+            <p:ph type="title"/>
+          </p:nvPr>
+        </p:nvSpPr>
+        <p:spPr/>
+        <p:txBody>
+          <a:bodyPr>
+            <a:noAutofit/>
+          </a:bodyPr>
+          <a:lstStyle/>
+          <a:p>
+            <a:r>
+              <a:rPr lang="en-US" sz="5500" dirty="0" err="1" smtClean="0">
+                <a:latin typeface="Times New Roman" panose="02020603050405020304" pitchFamily="18" charset="0"/>
+                <a:cs typeface="Times New Roman" panose="02020603050405020304" pitchFamily="18" charset="0"/>
+              </a:rPr>
+              <a:t>TSLint</a:t>
+            </a:r>
+            <a:r>
+              <a:rPr lang="en-US" sz="5500" dirty="0" smtClean="0">
+                <a:latin typeface="Times New Roman" panose="02020603050405020304" pitchFamily="18" charset="0"/>
+                <a:cs typeface="Times New Roman" panose="02020603050405020304" pitchFamily="18" charset="0"/>
+              </a:rPr>
+              <a:t> rules for </a:t>
+            </a:r>
+            <a:r>
+              <a:rPr lang="en-US" sz="5500" dirty="0" err="1" smtClean="0">
+                <a:latin typeface="Times New Roman" panose="02020603050405020304" pitchFamily="18" charset="0"/>
+                <a:cs typeface="Times New Roman" panose="02020603050405020304" pitchFamily="18" charset="0"/>
+              </a:rPr>
+              <a:t>NgRx</a:t>
+            </a:r>
+            <a:r>
+              <a:rPr lang="nl-NL" sz="5500" dirty="0" smtClean="0">
+                <a:latin typeface="Times New Roman" panose="02020603050405020304" pitchFamily="18" charset="0"/>
+                <a:cs typeface="Times New Roman" panose="02020603050405020304" pitchFamily="18" charset="0"/>
+              </a:rPr>
+              <a:t/>
+            </a:r>
+            <a:br>
+              <a:rPr lang="nl-NL" sz="5500" dirty="0" smtClean="0">
+                <a:latin typeface="Times New Roman" panose="02020603050405020304" pitchFamily="18" charset="0"/>
+                <a:cs typeface="Times New Roman" panose="02020603050405020304" pitchFamily="18" charset="0"/>
+              </a:rPr>
+            </a:br>
+            <a:endParaRPr lang="en-US" sz="5500" dirty="0">
+              <a:latin typeface="Times New Roman" panose="02020603050405020304" pitchFamily="18" charset="0"/>
+              <a:cs typeface="Times New Roman" panose="02020603050405020304" pitchFamily="18" charset="0"/>
+            </a:endParaRPr>
+          </a:p>
+        </p:txBody>
+      </p:sp>
+      <p:graphicFrame>
+        <p:nvGraphicFramePr>
+          <p:cNvPr id="4" name="Content Placeholder 3"/>
+          <p:cNvGraphicFramePr>
+            <a:graphicFrameLocks noGrp="1"/>
+          </p:cNvGraphicFramePr>
+          <p:nvPr>
+            <p:ph idx="1"/>
+            <p:extLst>
+              <p:ext uri="{D42A27DB-BD31-4B8C-83A1-F6EECF244321}">
+                <p14:modId xmlns:p14="http://schemas.microsoft.com/office/powerpoint/2010/main" val="3043745359"/>
+              </p:ext>
+            </p:extLst>
+          </p:nvPr>
+        </p:nvGraphicFramePr>
+        <p:xfrm>
+          <a:off x="1484313" y="2667000"/>
+          <a:ext cx="8805908" cy="3217222"/>
+        </p:xfrm>
+        <a:graphic>
+          <a:graphicData uri="http://schemas.openxmlformats.org/drawingml/2006/table">
+            <a:tbl>
+              <a:tblPr/>
+              <a:tblGrid>
+                <a:gridCol w="4402954"/>
+                <a:gridCol w="4402954"/>
+              </a:tblGrid>
+              <a:tr h="471489">
+                <a:tc>
+                  <a:txBody>
+                    <a:bodyPr/>
+                    <a:lstStyle/>
+                    <a:p>
+                      <a:r>
+                        <a:rPr lang="en-US" u="none" strike="noStrike" dirty="0" err="1" smtClean="0">
+                          <a:solidFill>
+                            <a:schemeClr val="bg1"/>
+                          </a:solidFill>
+                          <a:effectLst/>
+                        </a:rPr>
+                        <a:t>ngrx</a:t>
+                      </a:r>
+                      <a:r>
+                        <a:rPr lang="en-US" u="none" strike="noStrike" dirty="0" smtClean="0">
+                          <a:solidFill>
+                            <a:schemeClr val="bg1"/>
+                          </a:solidFill>
+                          <a:effectLst/>
+                        </a:rPr>
+                        <a:t>-action-hygiene</a:t>
+                      </a:r>
+                      <a:endParaRPr lang="en-US" dirty="0">
+                        <a:solidFill>
+                          <a:schemeClr val="bg1"/>
+                        </a:solidFill>
+                        <a:effectLst/>
+                      </a:endParaRPr>
+                    </a:p>
+                  </a:txBody>
+                  <a:tcPr marL="123825" marR="123825" marT="57150" marB="57150" anchor="ctr">
+                    <a:lnL w="9525" cap="flat" cmpd="sng" algn="ctr">
+                      <a:solidFill>
+                        <a:srgbClr val="DFE2E5"/>
+                      </a:solidFill>
+                      <a:prstDash val="solid"/>
+                      <a:round/>
+                      <a:headEnd type="none" w="med" len="med"/>
+                      <a:tailEnd type="none" w="med" len="med"/>
+                    </a:lnL>
+                    <a:lnR w="9525" cap="flat" cmpd="sng" algn="ctr">
+                      <a:solidFill>
+                        <a:srgbClr val="DFE2E5"/>
+                      </a:solidFill>
+                      <a:prstDash val="solid"/>
+                      <a:round/>
+                      <a:headEnd type="none" w="med" len="med"/>
+                      <a:tailEnd type="none" w="med" len="med"/>
+                    </a:lnR>
+                    <a:lnT w="9525" cap="flat" cmpd="sng" algn="ctr">
+                      <a:solidFill>
+                        <a:srgbClr val="DFE2E5"/>
+                      </a:solidFill>
+                      <a:prstDash val="solid"/>
+                      <a:round/>
+                      <a:headEnd type="none" w="med" len="med"/>
+                      <a:tailEnd type="none" w="med" len="med"/>
+                    </a:lnT>
+                    <a:lnB w="9525" cap="flat" cmpd="sng" algn="ctr">
+                      <a:solidFill>
+                        <a:srgbClr val="DFE2E5"/>
+                      </a:solidFill>
+                      <a:prstDash val="solid"/>
+                      <a:round/>
+                      <a:headEnd type="none" w="med" len="med"/>
+                      <a:tailEnd type="none" w="med" len="med"/>
+                    </a:lnB>
+                    <a:solidFill>
+                      <a:srgbClr val="141414"/>
+                    </a:solidFill>
+                  </a:tcPr>
+                </a:tc>
+                <a:tc>
+                  <a:txBody>
+                    <a:bodyPr/>
+                    <a:lstStyle/>
+                    <a:p>
+                      <a:r>
+                        <a:rPr lang="en-US" dirty="0">
+                          <a:solidFill>
+                            <a:schemeClr val="bg1"/>
+                          </a:solidFill>
+                          <a:effectLst/>
+                        </a:rPr>
+                        <a:t>Enforces the use of good action hygiene</a:t>
+                      </a:r>
+                    </a:p>
+                  </a:txBody>
+                  <a:tcPr marL="123825" marR="123825" marT="57150" marB="57150" anchor="ctr">
+                    <a:lnL w="9525" cap="flat" cmpd="sng" algn="ctr">
+                      <a:solidFill>
+                        <a:srgbClr val="DFE2E5"/>
+                      </a:solidFill>
+                      <a:prstDash val="solid"/>
+                      <a:round/>
+                      <a:headEnd type="none" w="med" len="med"/>
+                      <a:tailEnd type="none" w="med" len="med"/>
+                    </a:lnL>
+                    <a:lnR w="9525" cap="flat" cmpd="sng" algn="ctr">
+                      <a:solidFill>
+                        <a:srgbClr val="DFE2E5"/>
+                      </a:solidFill>
+                      <a:prstDash val="solid"/>
+                      <a:round/>
+                      <a:headEnd type="none" w="med" len="med"/>
+                      <a:tailEnd type="none" w="med" len="med"/>
+                    </a:lnR>
+                    <a:lnT w="9525" cap="flat" cmpd="sng" algn="ctr">
+                      <a:solidFill>
+                        <a:srgbClr val="DFE2E5"/>
+                      </a:solidFill>
+                      <a:prstDash val="solid"/>
+                      <a:round/>
+                      <a:headEnd type="none" w="med" len="med"/>
+                      <a:tailEnd type="none" w="med" len="med"/>
+                    </a:lnT>
+                    <a:lnB w="9525" cap="flat" cmpd="sng" algn="ctr">
+                      <a:solidFill>
+                        <a:srgbClr val="DFE2E5"/>
+                      </a:solidFill>
+                      <a:prstDash val="solid"/>
+                      <a:round/>
+                      <a:headEnd type="none" w="med" len="med"/>
+                      <a:tailEnd type="none" w="med" len="med"/>
+                    </a:lnB>
+                    <a:solidFill>
+                      <a:srgbClr val="141414"/>
+                    </a:solidFill>
+                  </a:tcPr>
+                </a:tc>
+              </a:tr>
+              <a:tr h="1469938">
+                <a:tc>
+                  <a:txBody>
+                    <a:bodyPr/>
+                    <a:lstStyle/>
+                    <a:p>
+                      <a:r>
+                        <a:rPr lang="en-US" u="none" strike="noStrike" dirty="0" err="1" smtClean="0">
+                          <a:solidFill>
+                            <a:schemeClr val="bg1"/>
+                          </a:solidFill>
+                          <a:effectLst/>
+                        </a:rPr>
+                        <a:t>ngrx</a:t>
+                      </a:r>
+                      <a:r>
+                        <a:rPr lang="en-US" u="none" strike="noStrike" dirty="0" smtClean="0">
+                          <a:solidFill>
+                            <a:schemeClr val="bg1"/>
+                          </a:solidFill>
+                          <a:effectLst/>
+                        </a:rPr>
+                        <a:t>-effect-creator-and-decorator</a:t>
+                      </a:r>
+                      <a:endParaRPr lang="en-US" dirty="0">
+                        <a:solidFill>
+                          <a:schemeClr val="bg1"/>
+                        </a:solidFill>
+                        <a:effectLst/>
+                      </a:endParaRPr>
+                    </a:p>
+                  </a:txBody>
+                  <a:tcPr marL="123825" marR="123825" marT="57150" marB="57150" anchor="ctr">
+                    <a:lnL w="9525" cap="flat" cmpd="sng" algn="ctr">
+                      <a:solidFill>
+                        <a:srgbClr val="DFE2E5"/>
+                      </a:solidFill>
+                      <a:prstDash val="solid"/>
+                      <a:round/>
+                      <a:headEnd type="none" w="med" len="med"/>
+                      <a:tailEnd type="none" w="med" len="med"/>
+                    </a:lnL>
+                    <a:lnR w="9525" cap="flat" cmpd="sng" algn="ctr">
+                      <a:solidFill>
+                        <a:srgbClr val="DFE2E5"/>
+                      </a:solidFill>
+                      <a:prstDash val="solid"/>
+                      <a:round/>
+                      <a:headEnd type="none" w="med" len="med"/>
+                      <a:tailEnd type="none" w="med" len="med"/>
+                    </a:lnR>
+                    <a:lnT w="9525" cap="flat" cmpd="sng" algn="ctr">
+                      <a:solidFill>
+                        <a:srgbClr val="DFE2E5"/>
+                      </a:solidFill>
+                      <a:prstDash val="solid"/>
+                      <a:round/>
+                      <a:headEnd type="none" w="med" len="med"/>
+                      <a:tailEnd type="none" w="med" len="med"/>
+                    </a:lnT>
+                    <a:lnB w="9525" cap="flat" cmpd="sng" algn="ctr">
+                      <a:solidFill>
+                        <a:srgbClr val="DFE2E5"/>
+                      </a:solidFill>
+                      <a:prstDash val="solid"/>
+                      <a:round/>
+                      <a:headEnd type="none" w="med" len="med"/>
+                      <a:tailEnd type="none" w="med" len="med"/>
+                    </a:lnB>
+                    <a:solidFill>
+                      <a:srgbClr val="25272A"/>
+                    </a:solidFill>
+                  </a:tcPr>
+                </a:tc>
+                <a:tc>
+                  <a:txBody>
+                    <a:bodyPr/>
+                    <a:lstStyle/>
+                    <a:p>
+                      <a:r>
+                        <a:rPr lang="en-US">
+                          <a:solidFill>
+                            <a:schemeClr val="bg1"/>
+                          </a:solidFill>
+                          <a:effectLst/>
+                        </a:rPr>
+                        <a:t>An Effect should only use the effect creator (createEffect) or the Effect decorator (@Effect), but not both simultaneously</a:t>
+                      </a:r>
+                    </a:p>
+                  </a:txBody>
+                  <a:tcPr marL="123825" marR="123825" marT="57150" marB="57150" anchor="ctr">
+                    <a:lnL w="9525" cap="flat" cmpd="sng" algn="ctr">
+                      <a:solidFill>
+                        <a:srgbClr val="DFE2E5"/>
+                      </a:solidFill>
+                      <a:prstDash val="solid"/>
+                      <a:round/>
+                      <a:headEnd type="none" w="med" len="med"/>
+                      <a:tailEnd type="none" w="med" len="med"/>
+                    </a:lnL>
+                    <a:lnR w="9525" cap="flat" cmpd="sng" algn="ctr">
+                      <a:solidFill>
+                        <a:srgbClr val="DFE2E5"/>
+                      </a:solidFill>
+                      <a:prstDash val="solid"/>
+                      <a:round/>
+                      <a:headEnd type="none" w="med" len="med"/>
+                      <a:tailEnd type="none" w="med" len="med"/>
+                    </a:lnR>
+                    <a:lnT w="9525" cap="flat" cmpd="sng" algn="ctr">
+                      <a:solidFill>
+                        <a:srgbClr val="DFE2E5"/>
+                      </a:solidFill>
+                      <a:prstDash val="solid"/>
+                      <a:round/>
+                      <a:headEnd type="none" w="med" len="med"/>
+                      <a:tailEnd type="none" w="med" len="med"/>
+                    </a:lnT>
+                    <a:lnB w="9525" cap="flat" cmpd="sng" algn="ctr">
+                      <a:solidFill>
+                        <a:srgbClr val="DFE2E5"/>
+                      </a:solidFill>
+                      <a:prstDash val="solid"/>
+                      <a:round/>
+                      <a:headEnd type="none" w="med" len="med"/>
+                      <a:tailEnd type="none" w="med" len="med"/>
+                    </a:lnB>
+                    <a:solidFill>
+                      <a:srgbClr val="25272A"/>
+                    </a:solidFill>
+                  </a:tcPr>
+                </a:tc>
+              </a:tr>
+              <a:tr h="471489">
+                <a:tc>
+                  <a:txBody>
+                    <a:bodyPr/>
+                    <a:lstStyle/>
+                    <a:p>
+                      <a:r>
+                        <a:rPr lang="en-US" u="none" strike="noStrike" dirty="0" err="1" smtClean="0">
+                          <a:solidFill>
+                            <a:schemeClr val="bg1"/>
+                          </a:solidFill>
+                          <a:effectLst/>
+                        </a:rPr>
+                        <a:t>ngrx</a:t>
+                      </a:r>
+                      <a:r>
+                        <a:rPr lang="en-US" u="none" strike="noStrike" dirty="0" smtClean="0">
+                          <a:solidFill>
+                            <a:schemeClr val="bg1"/>
+                          </a:solidFill>
+                          <a:effectLst/>
+                        </a:rPr>
+                        <a:t>-no-duplicate-action-types</a:t>
+                      </a:r>
+                      <a:endParaRPr lang="en-US" dirty="0">
+                        <a:solidFill>
+                          <a:schemeClr val="bg1"/>
+                        </a:solidFill>
+                        <a:effectLst/>
+                      </a:endParaRPr>
+                    </a:p>
+                  </a:txBody>
+                  <a:tcPr marL="123825" marR="123825" marT="57150" marB="57150" anchor="ctr">
+                    <a:lnL w="9525" cap="flat" cmpd="sng" algn="ctr">
+                      <a:solidFill>
+                        <a:srgbClr val="DFE2E5"/>
+                      </a:solidFill>
+                      <a:prstDash val="solid"/>
+                      <a:round/>
+                      <a:headEnd type="none" w="med" len="med"/>
+                      <a:tailEnd type="none" w="med" len="med"/>
+                    </a:lnL>
+                    <a:lnR w="9525" cap="flat" cmpd="sng" algn="ctr">
+                      <a:solidFill>
+                        <a:srgbClr val="DFE2E5"/>
+                      </a:solidFill>
+                      <a:prstDash val="solid"/>
+                      <a:round/>
+                      <a:headEnd type="none" w="med" len="med"/>
+                      <a:tailEnd type="none" w="med" len="med"/>
+                    </a:lnR>
+                    <a:lnT w="9525" cap="flat" cmpd="sng" algn="ctr">
+                      <a:solidFill>
+                        <a:srgbClr val="DFE2E5"/>
+                      </a:solidFill>
+                      <a:prstDash val="solid"/>
+                      <a:round/>
+                      <a:headEnd type="none" w="med" len="med"/>
+                      <a:tailEnd type="none" w="med" len="med"/>
+                    </a:lnT>
+                    <a:lnB w="9525" cap="flat" cmpd="sng" algn="ctr">
+                      <a:solidFill>
+                        <a:srgbClr val="DFE2E5"/>
+                      </a:solidFill>
+                      <a:prstDash val="solid"/>
+                      <a:round/>
+                      <a:headEnd type="none" w="med" len="med"/>
+                      <a:tailEnd type="none" w="med" len="med"/>
+                    </a:lnB>
+                    <a:solidFill>
+                      <a:srgbClr val="141414"/>
+                    </a:solidFill>
+                  </a:tcPr>
+                </a:tc>
+                <a:tc>
+                  <a:txBody>
+                    <a:bodyPr/>
+                    <a:lstStyle/>
+                    <a:p>
+                      <a:r>
+                        <a:rPr lang="en-US">
+                          <a:solidFill>
+                            <a:schemeClr val="bg1"/>
+                          </a:solidFill>
+                          <a:effectLst/>
+                        </a:rPr>
+                        <a:t>An action type must be unique</a:t>
+                      </a:r>
+                    </a:p>
+                  </a:txBody>
+                  <a:tcPr marL="123825" marR="123825" marT="57150" marB="57150" anchor="ctr">
+                    <a:lnL w="9525" cap="flat" cmpd="sng" algn="ctr">
+                      <a:solidFill>
+                        <a:srgbClr val="DFE2E5"/>
+                      </a:solidFill>
+                      <a:prstDash val="solid"/>
+                      <a:round/>
+                      <a:headEnd type="none" w="med" len="med"/>
+                      <a:tailEnd type="none" w="med" len="med"/>
+                    </a:lnL>
+                    <a:lnR w="9525" cap="flat" cmpd="sng" algn="ctr">
+                      <a:solidFill>
+                        <a:srgbClr val="DFE2E5"/>
+                      </a:solidFill>
+                      <a:prstDash val="solid"/>
+                      <a:round/>
+                      <a:headEnd type="none" w="med" len="med"/>
+                      <a:tailEnd type="none" w="med" len="med"/>
+                    </a:lnR>
+                    <a:lnT w="9525" cap="flat" cmpd="sng" algn="ctr">
+                      <a:solidFill>
+                        <a:srgbClr val="DFE2E5"/>
+                      </a:solidFill>
+                      <a:prstDash val="solid"/>
+                      <a:round/>
+                      <a:headEnd type="none" w="med" len="med"/>
+                      <a:tailEnd type="none" w="med" len="med"/>
+                    </a:lnT>
+                    <a:lnB w="9525" cap="flat" cmpd="sng" algn="ctr">
+                      <a:solidFill>
+                        <a:srgbClr val="DFE2E5"/>
+                      </a:solidFill>
+                      <a:prstDash val="solid"/>
+                      <a:round/>
+                      <a:headEnd type="none" w="med" len="med"/>
+                      <a:tailEnd type="none" w="med" len="med"/>
+                    </a:lnB>
+                    <a:solidFill>
+                      <a:srgbClr val="141414"/>
+                    </a:solidFill>
+                  </a:tcPr>
+                </a:tc>
+              </a:tr>
+              <a:tr h="804306">
+                <a:tc>
+                  <a:txBody>
+                    <a:bodyPr/>
+                    <a:lstStyle/>
+                    <a:p>
+                      <a:r>
+                        <a:rPr lang="en-US" u="none" strike="noStrike" dirty="0" err="1" smtClean="0">
+                          <a:solidFill>
+                            <a:schemeClr val="bg1"/>
+                          </a:solidFill>
+                          <a:effectLst/>
+                        </a:rPr>
+                        <a:t>ngrx</a:t>
+                      </a:r>
+                      <a:r>
+                        <a:rPr lang="en-US" u="none" strike="noStrike" dirty="0" smtClean="0">
+                          <a:solidFill>
+                            <a:schemeClr val="bg1"/>
+                          </a:solidFill>
+                          <a:effectLst/>
+                        </a:rPr>
+                        <a:t>-unique-reducer-actions	</a:t>
+                      </a:r>
+                      <a:endParaRPr lang="en-US" dirty="0">
+                        <a:solidFill>
+                          <a:schemeClr val="bg1"/>
+                        </a:solidFill>
+                        <a:effectLst/>
+                      </a:endParaRPr>
+                    </a:p>
+                  </a:txBody>
+                  <a:tcPr marL="123825" marR="123825" marT="57150" marB="57150" anchor="ctr">
+                    <a:lnL w="9525" cap="flat" cmpd="sng" algn="ctr">
+                      <a:solidFill>
+                        <a:srgbClr val="DFE2E5"/>
+                      </a:solidFill>
+                      <a:prstDash val="solid"/>
+                      <a:round/>
+                      <a:headEnd type="none" w="med" len="med"/>
+                      <a:tailEnd type="none" w="med" len="med"/>
+                    </a:lnL>
+                    <a:lnR w="9525" cap="flat" cmpd="sng" algn="ctr">
+                      <a:solidFill>
+                        <a:srgbClr val="DFE2E5"/>
+                      </a:solidFill>
+                      <a:prstDash val="solid"/>
+                      <a:round/>
+                      <a:headEnd type="none" w="med" len="med"/>
+                      <a:tailEnd type="none" w="med" len="med"/>
+                    </a:lnR>
+                    <a:lnT w="9525" cap="flat" cmpd="sng" algn="ctr">
+                      <a:solidFill>
+                        <a:srgbClr val="DFE2E5"/>
+                      </a:solidFill>
+                      <a:prstDash val="solid"/>
+                      <a:round/>
+                      <a:headEnd type="none" w="med" len="med"/>
+                      <a:tailEnd type="none" w="med" len="med"/>
+                    </a:lnT>
+                    <a:lnB w="9525" cap="flat" cmpd="sng" algn="ctr">
+                      <a:solidFill>
+                        <a:srgbClr val="DFE2E5"/>
+                      </a:solidFill>
+                      <a:prstDash val="solid"/>
+                      <a:round/>
+                      <a:headEnd type="none" w="med" len="med"/>
+                      <a:tailEnd type="none" w="med" len="med"/>
+                    </a:lnB>
+                    <a:solidFill>
+                      <a:srgbClr val="25272A"/>
+                    </a:solidFill>
+                  </a:tcPr>
+                </a:tc>
+                <a:tc>
+                  <a:txBody>
+                    <a:bodyPr/>
+                    <a:lstStyle/>
+                    <a:p>
+                      <a:r>
+                        <a:rPr lang="en-US" dirty="0">
+                          <a:solidFill>
+                            <a:schemeClr val="bg1"/>
+                          </a:solidFill>
+                          <a:effectLst/>
+                        </a:rPr>
+                        <a:t>An action can't be handled multiple times in the same reducer</a:t>
+                      </a:r>
+                    </a:p>
+                  </a:txBody>
+                  <a:tcPr marL="123825" marR="123825" marT="57150" marB="57150" anchor="ctr">
+                    <a:lnL w="9525" cap="flat" cmpd="sng" algn="ctr">
+                      <a:solidFill>
+                        <a:srgbClr val="DFE2E5"/>
+                      </a:solidFill>
+                      <a:prstDash val="solid"/>
+                      <a:round/>
+                      <a:headEnd type="none" w="med" len="med"/>
+                      <a:tailEnd type="none" w="med" len="med"/>
+                    </a:lnL>
+                    <a:lnR w="9525" cap="flat" cmpd="sng" algn="ctr">
+                      <a:solidFill>
+                        <a:srgbClr val="DFE2E5"/>
+                      </a:solidFill>
+                      <a:prstDash val="solid"/>
+                      <a:round/>
+                      <a:headEnd type="none" w="med" len="med"/>
+                      <a:tailEnd type="none" w="med" len="med"/>
+                    </a:lnR>
+                    <a:lnT w="9525" cap="flat" cmpd="sng" algn="ctr">
+                      <a:solidFill>
+                        <a:srgbClr val="DFE2E5"/>
+                      </a:solidFill>
+                      <a:prstDash val="solid"/>
+                      <a:round/>
+                      <a:headEnd type="none" w="med" len="med"/>
+                      <a:tailEnd type="none" w="med" len="med"/>
+                    </a:lnT>
+                    <a:lnB w="9525" cap="flat" cmpd="sng" algn="ctr">
+                      <a:solidFill>
+                        <a:srgbClr val="DFE2E5"/>
+                      </a:solidFill>
+                      <a:prstDash val="solid"/>
+                      <a:round/>
+                      <a:headEnd type="none" w="med" len="med"/>
+                      <a:tailEnd type="none" w="med" len="med"/>
+                    </a:lnB>
+                    <a:solidFill>
+                      <a:srgbClr val="25272A"/>
+                    </a:solidFill>
+                  </a:tcPr>
+                </a:tc>
+              </a:tr>
+            </a:tbl>
+          </a:graphicData>
+        </a:graphic>
+      </p:graphicFrame>
+    </p:spTree>
+    <p:extLst>
+      <p:ext uri="{BB962C8B-B14F-4D97-AF65-F5344CB8AC3E}">
+        <p14:creationId xmlns:p14="http://schemas.microsoft.com/office/powerpoint/2010/main" val="1592367045"/>
+      </p:ext>
+    </p:extLst>
+  </p:cSld>
+  <p:clrMapOvr>
+    <a:masterClrMapping/>
+  </p:clrMapOvr>
+  <p:timing>
+    <p:tnLst>
+      <p:par>
+        <p:cTn id="1" dur="indefinite" restart="never" nodeType="tmRoot"/>
+      </p:par>
+    </p:tnLst>
+  </p:timing>
 </p:sld>
 </file>
 
@@ -6400,7 +7210,12 @@
             <p:ph type="title"/>
           </p:nvPr>
         </p:nvSpPr>
-        <p:spPr/>
+        <p:spPr>
+          <a:xfrm>
+            <a:off x="1484310" y="159589"/>
+            <a:ext cx="10018713" cy="1752599"/>
+          </a:xfrm>
+        </p:spPr>
         <p:txBody>
           <a:bodyPr>
             <a:normAutofit/>
@@ -6431,7 +7246,12 @@
             <p:ph idx="1"/>
           </p:nvPr>
         </p:nvSpPr>
-        <p:spPr/>
+        <p:spPr>
+          <a:xfrm>
+            <a:off x="1484310" y="2468591"/>
+            <a:ext cx="10018713" cy="3124201"/>
+          </a:xfrm>
+        </p:spPr>
         <p:txBody>
           <a:bodyPr>
             <a:noAutofit/>
@@ -6479,8 +7299,55 @@
                 <a:latin typeface="Times New Roman" panose="02020603050405020304" pitchFamily="18" charset="0"/>
                 <a:cs typeface="Times New Roman" panose="02020603050405020304" pitchFamily="18" charset="0"/>
               </a:rPr>
-              <a:t>NGRX Entity, NGRX Effects, NGRX Router Store, NGRX schematic</a:t>
-            </a:r>
+              <a:t>NGRX Entity, NGRX Effects, NGRX Router Store, NGRX </a:t>
+            </a:r>
+            <a:r>
+              <a:rPr lang="nl-NL" sz="2600" dirty="0" smtClean="0">
+                <a:latin typeface="Times New Roman" panose="02020603050405020304" pitchFamily="18" charset="0"/>
+                <a:cs typeface="Times New Roman" panose="02020603050405020304" pitchFamily="18" charset="0"/>
+              </a:rPr>
+              <a:t>schematic</a:t>
+            </a:r>
+          </a:p>
+          <a:p>
+            <a:r>
+              <a:rPr lang="en-US" sz="2800" dirty="0">
+                <a:latin typeface="Times New Roman" panose="02020603050405020304" pitchFamily="18" charset="0"/>
+                <a:cs typeface="Times New Roman" panose="02020603050405020304" pitchFamily="18" charset="0"/>
+              </a:rPr>
+              <a:t>What is good action hygiene ?</a:t>
+            </a:r>
+            <a:endParaRPr lang="nl-NL" sz="2600" dirty="0" smtClean="0">
+              <a:latin typeface="Times New Roman" panose="02020603050405020304" pitchFamily="18" charset="0"/>
+              <a:cs typeface="Times New Roman" panose="02020603050405020304" pitchFamily="18" charset="0"/>
+            </a:endParaRPr>
+          </a:p>
+          <a:p>
+            <a:r>
+              <a:rPr lang="en-US" sz="2800" dirty="0" err="1">
+                <a:latin typeface="Times New Roman" panose="02020603050405020304" pitchFamily="18" charset="0"/>
+                <a:cs typeface="Times New Roman" panose="02020603050405020304" pitchFamily="18" charset="0"/>
+              </a:rPr>
+              <a:t>TSLint</a:t>
+            </a:r>
+            <a:r>
+              <a:rPr lang="en-US" sz="2800" dirty="0">
+                <a:latin typeface="Times New Roman" panose="02020603050405020304" pitchFamily="18" charset="0"/>
+                <a:cs typeface="Times New Roman" panose="02020603050405020304" pitchFamily="18" charset="0"/>
+              </a:rPr>
+              <a:t> rules for </a:t>
+            </a:r>
+            <a:r>
+              <a:rPr lang="en-US" sz="2800" dirty="0" err="1">
+                <a:latin typeface="Times New Roman" panose="02020603050405020304" pitchFamily="18" charset="0"/>
+                <a:cs typeface="Times New Roman" panose="02020603050405020304" pitchFamily="18" charset="0"/>
+              </a:rPr>
+              <a:t>NgRx</a:t>
+            </a:r>
+            <a:endParaRPr lang="nl-NL" sz="2600" dirty="0">
+              <a:latin typeface="Times New Roman" panose="02020603050405020304" pitchFamily="18" charset="0"/>
+              <a:cs typeface="Times New Roman" panose="02020603050405020304" pitchFamily="18" charset="0"/>
+            </a:endParaRPr>
           </a:p>
           <a:p>
             <a:r>
@@ -6507,6 +7374,13 @@
   <p:clrMapOvr>
     <a:masterClrMapping/>
   </p:clrMapOvr>
+  <p:timing>
+    <p:tnLst>
+      <p:par>
+        <p:cTn id="1" dur="indefinite" restart="never" nodeType="tmRoot"/>
+      </p:par>
+    </p:tnLst>
+  </p:timing>
 </p:sld>
 </file>
 
@@ -6662,6 +7536,13 @@
   <p:clrMapOvr>
     <a:masterClrMapping/>
   </p:clrMapOvr>
+  <p:timing>
+    <p:tnLst>
+      <p:par>
+        <p:cTn id="1" dur="indefinite" restart="never" nodeType="tmRoot"/>
+      </p:par>
+    </p:tnLst>
+  </p:timing>
 </p:sld>
 </file>
 
@@ -6889,7 +7770,7 @@
           <p:cNvPr id="2" name="Title 1">
             <a:extLst>
               <a:ext uri="{FF2B5EF4-FFF2-40B4-BE49-F238E27FC236}">
-                <a16:creationId xmlns:a16="http://schemas.microsoft.com/office/drawing/2014/main" id="{07C7A6B9-44CD-4005-B425-780CFD49D720}"/>
+                <a16:creationId xmlns:a16="http://schemas.microsoft.com/office/drawing/2014/main" xmlns="" id="{07C7A6B9-44CD-4005-B425-780CFD49D720}"/>
               </a:ext>
             </a:extLst>
           </p:cNvPr>
@@ -6929,7 +7810,7 @@
           <p:cNvPr id="3" name="Content Placeholder 2">
             <a:extLst>
               <a:ext uri="{FF2B5EF4-FFF2-40B4-BE49-F238E27FC236}">
-                <a16:creationId xmlns:a16="http://schemas.microsoft.com/office/drawing/2014/main" id="{25B7DE74-9C22-4E3E-A52E-4A2C719479CD}"/>
+                <a16:creationId xmlns:a16="http://schemas.microsoft.com/office/drawing/2014/main" xmlns="" id="{25B7DE74-9C22-4E3E-A52E-4A2C719479CD}"/>
               </a:ext>
             </a:extLst>
           </p:cNvPr>
@@ -7133,7 +8014,7 @@
           <p:cNvPr id="2" name="Title 1">
             <a:extLst>
               <a:ext uri="{FF2B5EF4-FFF2-40B4-BE49-F238E27FC236}">
-                <a16:creationId xmlns:a16="http://schemas.microsoft.com/office/drawing/2014/main" id="{B8C01D79-5424-4894-9A57-61387EEF3791}"/>
+                <a16:creationId xmlns:a16="http://schemas.microsoft.com/office/drawing/2014/main" xmlns="" id="{B8C01D79-5424-4894-9A57-61387EEF3791}"/>
               </a:ext>
             </a:extLst>
           </p:cNvPr>
@@ -7167,7 +8048,7 @@
           <p:cNvPr id="3" name="Content Placeholder 2">
             <a:extLst>
               <a:ext uri="{FF2B5EF4-FFF2-40B4-BE49-F238E27FC236}">
-                <a16:creationId xmlns:a16="http://schemas.microsoft.com/office/drawing/2014/main" id="{80654262-D706-4D8D-87D7-4A78C22A48AB}"/>
+                <a16:creationId xmlns:a16="http://schemas.microsoft.com/office/drawing/2014/main" xmlns="" id="{80654262-D706-4D8D-87D7-4A78C22A48AB}"/>
               </a:ext>
             </a:extLst>
           </p:cNvPr>
@@ -7277,7 +8158,7 @@
           <p:cNvPr id="2" name="Title 1">
             <a:extLst>
               <a:ext uri="{FF2B5EF4-FFF2-40B4-BE49-F238E27FC236}">
-                <a16:creationId xmlns:a16="http://schemas.microsoft.com/office/drawing/2014/main" id="{761C03C4-E935-4D14-BE7D-F4D1992542D9}"/>
+                <a16:creationId xmlns:a16="http://schemas.microsoft.com/office/drawing/2014/main" xmlns="" id="{761C03C4-E935-4D14-BE7D-F4D1992542D9}"/>
               </a:ext>
             </a:extLst>
           </p:cNvPr>
@@ -7311,7 +8192,7 @@
           <p:cNvPr id="3" name="Content Placeholder 2">
             <a:extLst>
               <a:ext uri="{FF2B5EF4-FFF2-40B4-BE49-F238E27FC236}">
-                <a16:creationId xmlns:a16="http://schemas.microsoft.com/office/drawing/2014/main" id="{D7215419-52F9-4945-BF64-96EB8E2E21BB}"/>
+                <a16:creationId xmlns:a16="http://schemas.microsoft.com/office/drawing/2014/main" xmlns="" id="{D7215419-52F9-4945-BF64-96EB8E2E21BB}"/>
               </a:ext>
             </a:extLst>
           </p:cNvPr>
@@ -7455,7 +8336,7 @@
           <p:cNvPr id="2" name="Title 1">
             <a:extLst>
               <a:ext uri="{FF2B5EF4-FFF2-40B4-BE49-F238E27FC236}">
-                <a16:creationId xmlns:a16="http://schemas.microsoft.com/office/drawing/2014/main" id="{FEFDA24B-C3E5-4CA7-9698-467B600E9E4D}"/>
+                <a16:creationId xmlns:a16="http://schemas.microsoft.com/office/drawing/2014/main" xmlns="" id="{FEFDA24B-C3E5-4CA7-9698-467B600E9E4D}"/>
               </a:ext>
             </a:extLst>
           </p:cNvPr>
@@ -7489,7 +8370,7 @@
           <p:cNvPr id="3" name="Content Placeholder 2">
             <a:extLst>
               <a:ext uri="{FF2B5EF4-FFF2-40B4-BE49-F238E27FC236}">
-                <a16:creationId xmlns:a16="http://schemas.microsoft.com/office/drawing/2014/main" id="{8CB91232-1065-45D1-9C70-C2E53BDC329B}"/>
+                <a16:creationId xmlns:a16="http://schemas.microsoft.com/office/drawing/2014/main" xmlns="" id="{8CB91232-1065-45D1-9C70-C2E53BDC329B}"/>
               </a:ext>
             </a:extLst>
           </p:cNvPr>

--- a/NgRx/NGRX Part 2.pptx
+++ b/NgRx/NGRX Part 2.pptx
@@ -17,6 +17,7 @@
     <p:sldId id="265" r:id="rId11"/>
     <p:sldId id="267" r:id="rId12"/>
     <p:sldId id="266" r:id="rId13"/>
+    <p:sldId id="268" r:id="rId14"/>
   </p:sldIdLst>
   <p:sldSz cx="12192000" cy="6858000"/>
   <p:notesSz cx="6858000" cy="9144000"/>
@@ -625,7 +626,7 @@
           <a:p>
             <a:fld id="{B5DB2D11-B6C9-434A-BD02-01E188E3A433}" type="datetimeFigureOut">
               <a:rPr lang="en-US" smtClean="0"/>
-              <a:t>8/4/2019</a:t>
+              <a:t>8/7/2019</a:t>
             </a:fld>
             <a:endParaRPr lang="en-US"/>
           </a:p>
@@ -921,7 +922,7 @@
           <a:p>
             <a:fld id="{B5DB2D11-B6C9-434A-BD02-01E188E3A433}" type="datetimeFigureOut">
               <a:rPr lang="en-US" smtClean="0"/>
-              <a:t>8/4/2019</a:t>
+              <a:t>8/7/2019</a:t>
             </a:fld>
             <a:endParaRPr lang="en-US"/>
           </a:p>
@@ -1169,7 +1170,7 @@
           <a:p>
             <a:fld id="{B5DB2D11-B6C9-434A-BD02-01E188E3A433}" type="datetimeFigureOut">
               <a:rPr lang="en-US" smtClean="0"/>
-              <a:t>8/4/2019</a:t>
+              <a:t>8/7/2019</a:t>
             </a:fld>
             <a:endParaRPr lang="en-US"/>
           </a:p>
@@ -1709,7 +1710,7 @@
           <a:p>
             <a:fld id="{B5DB2D11-B6C9-434A-BD02-01E188E3A433}" type="datetimeFigureOut">
               <a:rPr lang="en-US" smtClean="0"/>
-              <a:t>8/4/2019</a:t>
+              <a:t>8/7/2019</a:t>
             </a:fld>
             <a:endParaRPr lang="en-US"/>
           </a:p>
@@ -1957,7 +1958,7 @@
           <a:p>
             <a:fld id="{B5DB2D11-B6C9-434A-BD02-01E188E3A433}" type="datetimeFigureOut">
               <a:rPr lang="en-US" smtClean="0"/>
-              <a:t>8/4/2019</a:t>
+              <a:t>8/7/2019</a:t>
             </a:fld>
             <a:endParaRPr lang="en-US"/>
           </a:p>
@@ -2489,7 +2490,7 @@
           <a:p>
             <a:fld id="{B5DB2D11-B6C9-434A-BD02-01E188E3A433}" type="datetimeFigureOut">
               <a:rPr lang="en-US" smtClean="0"/>
-              <a:t>8/4/2019</a:t>
+              <a:t>8/7/2019</a:t>
             </a:fld>
             <a:endParaRPr lang="en-US"/>
           </a:p>
@@ -2786,7 +2787,7 @@
           <a:p>
             <a:fld id="{B5DB2D11-B6C9-434A-BD02-01E188E3A433}" type="datetimeFigureOut">
               <a:rPr lang="en-US" smtClean="0"/>
-              <a:t>8/4/2019</a:t>
+              <a:t>8/7/2019</a:t>
             </a:fld>
             <a:endParaRPr lang="en-US"/>
           </a:p>
@@ -2960,7 +2961,7 @@
           <a:p>
             <a:fld id="{B5DB2D11-B6C9-434A-BD02-01E188E3A433}" type="datetimeFigureOut">
               <a:rPr lang="en-US" smtClean="0"/>
-              <a:t>8/4/2019</a:t>
+              <a:t>8/7/2019</a:t>
             </a:fld>
             <a:endParaRPr lang="en-US"/>
           </a:p>
@@ -3140,7 +3141,7 @@
           <a:p>
             <a:fld id="{B5DB2D11-B6C9-434A-BD02-01E188E3A433}" type="datetimeFigureOut">
               <a:rPr lang="en-US" smtClean="0"/>
-              <a:t>8/4/2019</a:t>
+              <a:t>8/7/2019</a:t>
             </a:fld>
             <a:endParaRPr lang="en-US"/>
           </a:p>
@@ -3310,7 +3311,7 @@
           <a:p>
             <a:fld id="{B5DB2D11-B6C9-434A-BD02-01E188E3A433}" type="datetimeFigureOut">
               <a:rPr lang="en-US" smtClean="0"/>
-              <a:t>8/4/2019</a:t>
+              <a:t>8/7/2019</a:t>
             </a:fld>
             <a:endParaRPr lang="en-US"/>
           </a:p>
@@ -3561,7 +3562,7 @@
           <a:p>
             <a:fld id="{B5DB2D11-B6C9-434A-BD02-01E188E3A433}" type="datetimeFigureOut">
               <a:rPr lang="en-US" smtClean="0"/>
-              <a:t>8/4/2019</a:t>
+              <a:t>8/7/2019</a:t>
             </a:fld>
             <a:endParaRPr lang="en-US"/>
           </a:p>
@@ -3858,7 +3859,7 @@
           <a:p>
             <a:fld id="{B5DB2D11-B6C9-434A-BD02-01E188E3A433}" type="datetimeFigureOut">
               <a:rPr lang="en-US" smtClean="0"/>
-              <a:t>8/4/2019</a:t>
+              <a:t>8/7/2019</a:t>
             </a:fld>
             <a:endParaRPr lang="en-US"/>
           </a:p>
@@ -4300,7 +4301,7 @@
           <a:p>
             <a:fld id="{B5DB2D11-B6C9-434A-BD02-01E188E3A433}" type="datetimeFigureOut">
               <a:rPr lang="en-US" smtClean="0"/>
-              <a:t>8/4/2019</a:t>
+              <a:t>8/7/2019</a:t>
             </a:fld>
             <a:endParaRPr lang="en-US"/>
           </a:p>
@@ -4418,7 +4419,7 @@
           <a:p>
             <a:fld id="{B5DB2D11-B6C9-434A-BD02-01E188E3A433}" type="datetimeFigureOut">
               <a:rPr lang="en-US" smtClean="0"/>
-              <a:t>8/4/2019</a:t>
+              <a:t>8/7/2019</a:t>
             </a:fld>
             <a:endParaRPr lang="en-US"/>
           </a:p>
@@ -4513,7 +4514,7 @@
           <a:p>
             <a:fld id="{B5DB2D11-B6C9-434A-BD02-01E188E3A433}" type="datetimeFigureOut">
               <a:rPr lang="en-US" smtClean="0"/>
-              <a:t>8/4/2019</a:t>
+              <a:t>8/7/2019</a:t>
             </a:fld>
             <a:endParaRPr lang="en-US"/>
           </a:p>
@@ -4796,7 +4797,7 @@
           <a:p>
             <a:fld id="{B5DB2D11-B6C9-434A-BD02-01E188E3A433}" type="datetimeFigureOut">
               <a:rPr lang="en-US" smtClean="0"/>
-              <a:t>8/4/2019</a:t>
+              <a:t>8/7/2019</a:t>
             </a:fld>
             <a:endParaRPr lang="en-US"/>
           </a:p>
@@ -5087,7 +5088,7 @@
           <a:p>
             <a:fld id="{B5DB2D11-B6C9-434A-BD02-01E188E3A433}" type="datetimeFigureOut">
               <a:rPr lang="en-US" smtClean="0"/>
-              <a:t>8/4/2019</a:t>
+              <a:t>8/7/2019</a:t>
             </a:fld>
             <a:endParaRPr lang="en-US"/>
           </a:p>
@@ -5617,7 +5618,7 @@
           <a:p>
             <a:fld id="{B5DB2D11-B6C9-434A-BD02-01E188E3A433}" type="datetimeFigureOut">
               <a:rPr lang="en-US" smtClean="0"/>
-              <a:t>8/4/2019</a:t>
+              <a:t>8/7/2019</a:t>
             </a:fld>
             <a:endParaRPr lang="en-US"/>
           </a:p>
@@ -6263,7 +6264,7 @@
           <p:cNvPr id="2" name="Title 1">
             <a:extLst>
               <a:ext uri="{FF2B5EF4-FFF2-40B4-BE49-F238E27FC236}">
-                <a16:creationId xmlns:a16="http://schemas.microsoft.com/office/drawing/2014/main" xmlns="" id="{4D1AE969-FC54-467C-93D4-710B61526748}"/>
+                <a16:creationId xmlns="" xmlns:a16="http://schemas.microsoft.com/office/drawing/2014/main" id="{4D1AE969-FC54-467C-93D4-710B61526748}"/>
               </a:ext>
             </a:extLst>
           </p:cNvPr>
@@ -6297,7 +6298,7 @@
           <p:cNvPr id="3" name="Content Placeholder 2">
             <a:extLst>
               <a:ext uri="{FF2B5EF4-FFF2-40B4-BE49-F238E27FC236}">
-                <a16:creationId xmlns:a16="http://schemas.microsoft.com/office/drawing/2014/main" xmlns="" id="{AAA1DD82-151F-4594-AE11-4E1C5630642E}"/>
+                <a16:creationId xmlns="" xmlns:a16="http://schemas.microsoft.com/office/drawing/2014/main" id="{AAA1DD82-151F-4594-AE11-4E1C5630642E}"/>
               </a:ext>
             </a:extLst>
           </p:cNvPr>
@@ -7183,6 +7184,86 @@
 </p:sld>
 </file>
 
+<file path=ppt/slides/slide13.xml><?xml version="1.0" encoding="utf-8"?>
+<p:sld xmlns:a="http://schemas.openxmlformats.org/drawingml/2006/main" xmlns:r="http://schemas.openxmlformats.org/officeDocument/2006/relationships" xmlns:p="http://schemas.openxmlformats.org/presentationml/2006/main">
+  <p:cSld>
+    <p:spTree>
+      <p:nvGrpSpPr>
+        <p:cNvPr id="1" name=""/>
+        <p:cNvGrpSpPr/>
+        <p:nvPr/>
+      </p:nvGrpSpPr>
+      <p:grpSpPr>
+        <a:xfrm>
+          <a:off x="0" y="0"/>
+          <a:ext cx="0" cy="0"/>
+          <a:chOff x="0" y="0"/>
+          <a:chExt cx="0" cy="0"/>
+        </a:xfrm>
+      </p:grpSpPr>
+      <p:sp>
+        <p:nvSpPr>
+          <p:cNvPr id="2" name="Title 1"/>
+          <p:cNvSpPr>
+            <a:spLocks noGrp="1"/>
+          </p:cNvSpPr>
+          <p:nvPr>
+            <p:ph type="title"/>
+          </p:nvPr>
+        </p:nvSpPr>
+        <p:spPr/>
+        <p:txBody>
+          <a:bodyPr>
+            <a:normAutofit/>
+          </a:bodyPr>
+          <a:lstStyle/>
+          <a:p>
+            <a:r>
+              <a:rPr lang="nl-NL" sz="5500" dirty="0" smtClean="0">
+                <a:latin typeface="Times New Roman" panose="02020603050405020304" pitchFamily="18" charset="0"/>
+                <a:cs typeface="Times New Roman" panose="02020603050405020304" pitchFamily="18" charset="0"/>
+              </a:rPr>
+              <a:t>DEMO</a:t>
+            </a:r>
+            <a:endParaRPr lang="en-US" sz="5500" dirty="0">
+              <a:latin typeface="Times New Roman" panose="02020603050405020304" pitchFamily="18" charset="0"/>
+              <a:cs typeface="Times New Roman" panose="02020603050405020304" pitchFamily="18" charset="0"/>
+            </a:endParaRPr>
+          </a:p>
+        </p:txBody>
+      </p:sp>
+      <p:sp>
+        <p:nvSpPr>
+          <p:cNvPr id="3" name="Content Placeholder 2"/>
+          <p:cNvSpPr>
+            <a:spLocks noGrp="1"/>
+          </p:cNvSpPr>
+          <p:nvPr>
+            <p:ph idx="1"/>
+          </p:nvPr>
+        </p:nvSpPr>
+        <p:spPr/>
+        <p:txBody>
+          <a:bodyPr/>
+          <a:lstStyle/>
+          <a:p>
+            <a:endParaRPr lang="en-US"/>
+          </a:p>
+        </p:txBody>
+      </p:sp>
+    </p:spTree>
+    <p:extLst>
+      <p:ext uri="{BB962C8B-B14F-4D97-AF65-F5344CB8AC3E}">
+        <p14:creationId xmlns:p14="http://schemas.microsoft.com/office/powerpoint/2010/main" val="3616739389"/>
+      </p:ext>
+    </p:extLst>
+  </p:cSld>
+  <p:clrMapOvr>
+    <a:masterClrMapping/>
+  </p:clrMapOvr>
+</p:sld>
+</file>
+
 <file path=ppt/slides/slide2.xml><?xml version="1.0" encoding="utf-8"?>
 <p:sld xmlns:a="http://schemas.openxmlformats.org/drawingml/2006/main" xmlns:r="http://schemas.openxmlformats.org/officeDocument/2006/relationships" xmlns:p="http://schemas.openxmlformats.org/presentationml/2006/main">
   <p:cSld>
@@ -7770,7 +7851,7 @@
           <p:cNvPr id="2" name="Title 1">
             <a:extLst>
               <a:ext uri="{FF2B5EF4-FFF2-40B4-BE49-F238E27FC236}">
-                <a16:creationId xmlns:a16="http://schemas.microsoft.com/office/drawing/2014/main" xmlns="" id="{07C7A6B9-44CD-4005-B425-780CFD49D720}"/>
+                <a16:creationId xmlns="" xmlns:a16="http://schemas.microsoft.com/office/drawing/2014/main" id="{07C7A6B9-44CD-4005-B425-780CFD49D720}"/>
               </a:ext>
             </a:extLst>
           </p:cNvPr>
@@ -7810,7 +7891,7 @@
           <p:cNvPr id="3" name="Content Placeholder 2">
             <a:extLst>
               <a:ext uri="{FF2B5EF4-FFF2-40B4-BE49-F238E27FC236}">
-                <a16:creationId xmlns:a16="http://schemas.microsoft.com/office/drawing/2014/main" xmlns="" id="{25B7DE74-9C22-4E3E-A52E-4A2C719479CD}"/>
+                <a16:creationId xmlns="" xmlns:a16="http://schemas.microsoft.com/office/drawing/2014/main" id="{25B7DE74-9C22-4E3E-A52E-4A2C719479CD}"/>
               </a:ext>
             </a:extLst>
           </p:cNvPr>
@@ -8014,7 +8095,7 @@
           <p:cNvPr id="2" name="Title 1">
             <a:extLst>
               <a:ext uri="{FF2B5EF4-FFF2-40B4-BE49-F238E27FC236}">
-                <a16:creationId xmlns:a16="http://schemas.microsoft.com/office/drawing/2014/main" xmlns="" id="{B8C01D79-5424-4894-9A57-61387EEF3791}"/>
+                <a16:creationId xmlns="" xmlns:a16="http://schemas.microsoft.com/office/drawing/2014/main" id="{B8C01D79-5424-4894-9A57-61387EEF3791}"/>
               </a:ext>
             </a:extLst>
           </p:cNvPr>
@@ -8048,7 +8129,7 @@
           <p:cNvPr id="3" name="Content Placeholder 2">
             <a:extLst>
               <a:ext uri="{FF2B5EF4-FFF2-40B4-BE49-F238E27FC236}">
-                <a16:creationId xmlns:a16="http://schemas.microsoft.com/office/drawing/2014/main" xmlns="" id="{80654262-D706-4D8D-87D7-4A78C22A48AB}"/>
+                <a16:creationId xmlns="" xmlns:a16="http://schemas.microsoft.com/office/drawing/2014/main" id="{80654262-D706-4D8D-87D7-4A78C22A48AB}"/>
               </a:ext>
             </a:extLst>
           </p:cNvPr>
@@ -8158,7 +8239,7 @@
           <p:cNvPr id="2" name="Title 1">
             <a:extLst>
               <a:ext uri="{FF2B5EF4-FFF2-40B4-BE49-F238E27FC236}">
-                <a16:creationId xmlns:a16="http://schemas.microsoft.com/office/drawing/2014/main" xmlns="" id="{761C03C4-E935-4D14-BE7D-F4D1992542D9}"/>
+                <a16:creationId xmlns="" xmlns:a16="http://schemas.microsoft.com/office/drawing/2014/main" id="{761C03C4-E935-4D14-BE7D-F4D1992542D9}"/>
               </a:ext>
             </a:extLst>
           </p:cNvPr>
@@ -8192,7 +8273,7 @@
           <p:cNvPr id="3" name="Content Placeholder 2">
             <a:extLst>
               <a:ext uri="{FF2B5EF4-FFF2-40B4-BE49-F238E27FC236}">
-                <a16:creationId xmlns:a16="http://schemas.microsoft.com/office/drawing/2014/main" xmlns="" id="{D7215419-52F9-4945-BF64-96EB8E2E21BB}"/>
+                <a16:creationId xmlns="" xmlns:a16="http://schemas.microsoft.com/office/drawing/2014/main" id="{D7215419-52F9-4945-BF64-96EB8E2E21BB}"/>
               </a:ext>
             </a:extLst>
           </p:cNvPr>
@@ -8336,7 +8417,7 @@
           <p:cNvPr id="2" name="Title 1">
             <a:extLst>
               <a:ext uri="{FF2B5EF4-FFF2-40B4-BE49-F238E27FC236}">
-                <a16:creationId xmlns:a16="http://schemas.microsoft.com/office/drawing/2014/main" xmlns="" id="{FEFDA24B-C3E5-4CA7-9698-467B600E9E4D}"/>
+                <a16:creationId xmlns="" xmlns:a16="http://schemas.microsoft.com/office/drawing/2014/main" id="{FEFDA24B-C3E5-4CA7-9698-467B600E9E4D}"/>
               </a:ext>
             </a:extLst>
           </p:cNvPr>
@@ -8370,7 +8451,7 @@
           <p:cNvPr id="3" name="Content Placeholder 2">
             <a:extLst>
               <a:ext uri="{FF2B5EF4-FFF2-40B4-BE49-F238E27FC236}">
-                <a16:creationId xmlns:a16="http://schemas.microsoft.com/office/drawing/2014/main" xmlns="" id="{8CB91232-1065-45D1-9C70-C2E53BDC329B}"/>
+                <a16:creationId xmlns="" xmlns:a16="http://schemas.microsoft.com/office/drawing/2014/main" id="{8CB91232-1065-45D1-9C70-C2E53BDC329B}"/>
               </a:ext>
             </a:extLst>
           </p:cNvPr>

--- a/NgRx/NGRX Part 2.pptx
+++ b/NgRx/NGRX Part 2.pptx
@@ -6239,6 +6239,13 @@
   <p:clrMapOvr>
     <a:masterClrMapping/>
   </p:clrMapOvr>
+  <p:timing>
+    <p:tnLst>
+      <p:par>
+        <p:cTn id="1" dur="indefinite" restart="never" nodeType="tmRoot"/>
+      </p:par>
+    </p:tnLst>
+  </p:timing>
 </p:sld>
 </file>
 
@@ -7396,7 +7403,21 @@
                 <a:latin typeface="Times New Roman" panose="02020603050405020304" pitchFamily="18" charset="0"/>
                 <a:cs typeface="Times New Roman" panose="02020603050405020304" pitchFamily="18" charset="0"/>
               </a:rPr>
-              <a:t>What is good action hygiene ?</a:t>
+              <a:t>What is </a:t>
+            </a:r>
+            <a:r>
+              <a:rPr lang="en-US" sz="2800" dirty="0" smtClean="0">
+                <a:latin typeface="Times New Roman" panose="02020603050405020304" pitchFamily="18" charset="0"/>
+                <a:cs typeface="Times New Roman" panose="02020603050405020304" pitchFamily="18" charset="0"/>
+              </a:rPr>
+              <a:t>a good </a:t>
+            </a:r>
+            <a:r>
+              <a:rPr lang="en-US" sz="2800" dirty="0">
+                <a:latin typeface="Times New Roman" panose="02020603050405020304" pitchFamily="18" charset="0"/>
+                <a:cs typeface="Times New Roman" panose="02020603050405020304" pitchFamily="18" charset="0"/>
+              </a:rPr>
+              <a:t>action hygiene ?</a:t>
             </a:r>
             <a:endParaRPr lang="nl-NL" sz="2600" dirty="0" smtClean="0">
               <a:latin typeface="Times New Roman" panose="02020603050405020304" pitchFamily="18" charset="0"/>
@@ -7722,6 +7743,13 @@
   <p:clrMapOvr>
     <a:masterClrMapping/>
   </p:clrMapOvr>
+  <p:timing>
+    <p:tnLst>
+      <p:par>
+        <p:cTn id="1" dur="indefinite" restart="never" nodeType="tmRoot"/>
+      </p:par>
+    </p:tnLst>
+  </p:timing>
 </p:sld>
 </file>
 
@@ -7826,6 +7854,13 @@
   <p:clrMapOvr>
     <a:masterClrMapping/>
   </p:clrMapOvr>
+  <p:timing>
+    <p:tnLst>
+      <p:par>
+        <p:cTn id="1" dur="indefinite" restart="never" nodeType="tmRoot"/>
+      </p:par>
+    </p:tnLst>
+  </p:timing>
 </p:sld>
 </file>
 
@@ -8070,6 +8105,13 @@
   <p:clrMapOvr>
     <a:masterClrMapping/>
   </p:clrMapOvr>
+  <p:timing>
+    <p:tnLst>
+      <p:par>
+        <p:cTn id="1" dur="indefinite" restart="never" nodeType="tmRoot"/>
+      </p:par>
+    </p:tnLst>
+  </p:timing>
 </p:sld>
 </file>
 
@@ -8184,7 +8226,21 @@
                 <a:latin typeface="Times New Roman" panose="02020603050405020304" pitchFamily="18" charset="0"/>
                 <a:cs typeface="Times New Roman" panose="02020603050405020304" pitchFamily="18" charset="0"/>
               </a:rPr>
-              <a:t>Provides performant CRUD operations for managing entity collections.</a:t>
+              <a:t>Provides </a:t>
+            </a:r>
+            <a:r>
+              <a:rPr lang="en-US" sz="2600" dirty="0">
+                <a:latin typeface="Times New Roman" panose="02020603050405020304" pitchFamily="18" charset="0"/>
+                <a:cs typeface="Times New Roman" panose="02020603050405020304" pitchFamily="18" charset="0"/>
+              </a:rPr>
+              <a:t>performance CRUD </a:t>
+            </a:r>
+            <a:r>
+              <a:rPr lang="en-US" sz="2600" dirty="0">
+                <a:latin typeface="Times New Roman" panose="02020603050405020304" pitchFamily="18" charset="0"/>
+                <a:cs typeface="Times New Roman" panose="02020603050405020304" pitchFamily="18" charset="0"/>
+              </a:rPr>
+              <a:t>operations for managing entity collections.</a:t>
             </a:r>
           </a:p>
           <a:p>
@@ -8214,6 +8270,13 @@
   <p:clrMapOvr>
     <a:masterClrMapping/>
   </p:clrMapOvr>
+  <p:timing>
+    <p:tnLst>
+      <p:par>
+        <p:cTn id="1" dur="indefinite" restart="never" nodeType="tmRoot"/>
+      </p:par>
+    </p:tnLst>
+  </p:timing>
 </p:sld>
 </file>
 
@@ -8338,22 +8401,7 @@
                 <a:latin typeface="Times New Roman" panose="02020603050405020304" pitchFamily="18" charset="0"/>
                 <a:cs typeface="Times New Roman" panose="02020603050405020304" pitchFamily="18" charset="0"/>
               </a:rPr>
-              <a:t> action dispatched from the </a:t>
-            </a:r>
-            <a:r>
-              <a:rPr lang="en-US" sz="2600" dirty="0">
-                <a:latin typeface="Times New Roman" panose="02020603050405020304" pitchFamily="18" charset="0"/>
-                <a:cs typeface="Times New Roman" panose="02020603050405020304" pitchFamily="18" charset="0"/>
-                <a:hlinkClick r:id="rId2"/>
-              </a:rPr>
-              <a:t>Store</a:t>
-            </a:r>
-            <a:r>
-              <a:rPr lang="en-US" sz="2600" dirty="0">
-                <a:latin typeface="Times New Roman" panose="02020603050405020304" pitchFamily="18" charset="0"/>
-                <a:cs typeface="Times New Roman" panose="02020603050405020304" pitchFamily="18" charset="0"/>
-              </a:rPr>
-              <a:t>.</a:t>
+              <a:t> action dispatched from the Store.</a:t>
             </a:r>
           </a:p>
           <a:p>
@@ -8392,6 +8440,13 @@
   <p:clrMapOvr>
     <a:masterClrMapping/>
   </p:clrMapOvr>
+  <p:timing>
+    <p:tnLst>
+      <p:par>
+        <p:cTn id="1" dur="indefinite" restart="never" nodeType="tmRoot"/>
+      </p:par>
+    </p:tnLst>
+  </p:timing>
 </p:sld>
 </file>
 
@@ -8475,51 +8530,17 @@
                 <a:ea typeface="Tahoma" panose="020B0604030504040204" pitchFamily="34" charset="0"/>
                 <a:cs typeface="Times New Roman" panose="02020603050405020304" pitchFamily="18" charset="0"/>
               </a:rPr>
-              <a:t>Bindings to connect the Angular Router with </a:t>
-            </a:r>
-            <a:r>
-              <a:rPr lang="en-US" sz="2600" dirty="0">
-                <a:latin typeface="Times New Roman" panose="02020603050405020304" pitchFamily="18" charset="0"/>
-                <a:ea typeface="Tahoma" panose="020B0604030504040204" pitchFamily="34" charset="0"/>
-                <a:cs typeface="Times New Roman" panose="02020603050405020304" pitchFamily="18" charset="0"/>
-                <a:hlinkClick r:id="rId2"/>
-              </a:rPr>
-              <a:t>Store</a:t>
-            </a:r>
+              <a:t>Bindings to connect the Angular Router with Store. </a:t>
+            </a:r>
+          </a:p>
+          <a:p>
             <a:r>
               <a:rPr lang="en-US" sz="2600" dirty="0">
                 <a:latin typeface="Times New Roman" panose="02020603050405020304" pitchFamily="18" charset="0"/>
                 <a:ea typeface="Tahoma" panose="020B0604030504040204" pitchFamily="34" charset="0"/>
                 <a:cs typeface="Times New Roman" panose="02020603050405020304" pitchFamily="18" charset="0"/>
               </a:rPr>
-              <a:t>. </a:t>
-            </a:r>
-          </a:p>
-          <a:p>
-            <a:r>
-              <a:rPr lang="en-US" sz="2600" dirty="0">
-                <a:latin typeface="Times New Roman" panose="02020603050405020304" pitchFamily="18" charset="0"/>
-                <a:ea typeface="Tahoma" panose="020B0604030504040204" pitchFamily="34" charset="0"/>
-                <a:cs typeface="Times New Roman" panose="02020603050405020304" pitchFamily="18" charset="0"/>
-              </a:rPr>
-              <a:t>During each router navigation cycle, multiple </a:t>
-            </a:r>
-            <a:r>
-              <a:rPr lang="en-US" sz="2600" dirty="0">
-                <a:latin typeface="Times New Roman" panose="02020603050405020304" pitchFamily="18" charset="0"/>
-                <a:ea typeface="Tahoma" panose="020B0604030504040204" pitchFamily="34" charset="0"/>
-                <a:cs typeface="Times New Roman" panose="02020603050405020304" pitchFamily="18" charset="0"/>
-                <a:hlinkClick r:id="rId3"/>
-              </a:rPr>
-              <a:t>actions</a:t>
-            </a:r>
-            <a:r>
-              <a:rPr lang="en-US" sz="2600" dirty="0">
-                <a:latin typeface="Times New Roman" panose="02020603050405020304" pitchFamily="18" charset="0"/>
-                <a:ea typeface="Tahoma" panose="020B0604030504040204" pitchFamily="34" charset="0"/>
-                <a:cs typeface="Times New Roman" panose="02020603050405020304" pitchFamily="18" charset="0"/>
-              </a:rPr>
-              <a:t> are dispatched that allow you to listen for changes in the router's state. </a:t>
+              <a:t>During each router navigation cycle, multiple actions are dispatched that allow you to listen for changes in the router's state. </a:t>
             </a:r>
           </a:p>
           <a:p>
